--- a/Host/Guides/Instructors Azure Monitoring Hackathon.pptx
+++ b/Host/Guides/Instructors Azure Monitoring Hackathon.pptx
@@ -5,24 +5,16 @@
     <p:sldMasterId id="2147483648" r:id="rId1"/>
   </p:sldMasterIdLst>
   <p:notesMasterIdLst>
-    <p:notesMasterId r:id="rId17"/>
+    <p:notesMasterId r:id="rId9"/>
   </p:notesMasterIdLst>
   <p:sldIdLst>
     <p:sldId id="256" r:id="rId2"/>
     <p:sldId id="260" r:id="rId3"/>
-    <p:sldId id="259" r:id="rId4"/>
-    <p:sldId id="261" r:id="rId5"/>
-    <p:sldId id="257" r:id="rId6"/>
-    <p:sldId id="258" r:id="rId7"/>
-    <p:sldId id="262" r:id="rId8"/>
-    <p:sldId id="270" r:id="rId9"/>
-    <p:sldId id="263" r:id="rId10"/>
-    <p:sldId id="264" r:id="rId11"/>
-    <p:sldId id="266" r:id="rId12"/>
-    <p:sldId id="269" r:id="rId13"/>
-    <p:sldId id="268" r:id="rId14"/>
-    <p:sldId id="265" r:id="rId15"/>
-    <p:sldId id="267" r:id="rId16"/>
+    <p:sldId id="257" r:id="rId4"/>
+    <p:sldId id="258" r:id="rId5"/>
+    <p:sldId id="262" r:id="rId6"/>
+    <p:sldId id="263" r:id="rId7"/>
+    <p:sldId id="264" r:id="rId8"/>
   </p:sldIdLst>
   <p:sldSz cx="12192000" cy="6858000"/>
   <p:notesSz cx="6858000" cy="9144000"/>
@@ -132,395 +124,6 @@
 </p:presentation>
 </file>
 
-<file path=ppt/revisionInfo.xml><?xml version="1.0" encoding="utf-8"?>
-<p1510:revInfo xmlns:a="http://schemas.openxmlformats.org/drawingml/2006/main" xmlns:r="http://schemas.openxmlformats.org/officeDocument/2006/relationships" xmlns:p1510="http://schemas.microsoft.com/office/powerpoint/2015/10/main">
-  <p1510:revLst>
-    <p1510:client id="{ABE95BDE-6DE9-452F-91A1-74BFF4F3B720}" v="2832" dt="2018-06-18T17:01:27.282"/>
-  </p1510:revLst>
-</p1510:revInfo>
-</file>
-
-<file path=ppt/changesInfos/changesInfo1.xml><?xml version="1.0" encoding="utf-8"?>
-<pc:chgInfo xmlns:a="http://schemas.openxmlformats.org/drawingml/2006/main" xmlns:r="http://schemas.openxmlformats.org/officeDocument/2006/relationships" xmlns:ac="http://schemas.microsoft.com/office/drawing/2013/main/command" xmlns:pc="http://schemas.microsoft.com/office/powerpoint/2013/main/command">
-  <pc:docChgLst>
-    <pc:chgData name="Rob Kuehfus" userId="453d022f19b6df9a" providerId="LiveId" clId="{ABE95BDE-6DE9-452F-91A1-74BFF4F3B720}"/>
-    <pc:docChg chg="custSel addSld delSld modSld sldOrd">
-      <pc:chgData name="Rob Kuehfus" userId="453d022f19b6df9a" providerId="LiveId" clId="{ABE95BDE-6DE9-452F-91A1-74BFF4F3B720}" dt="2018-06-18T17:01:27.282" v="2821" actId="20577"/>
-      <pc:docMkLst>
-        <pc:docMk/>
-      </pc:docMkLst>
-      <pc:sldChg chg="delSp modSp modNotesTx">
-        <pc:chgData name="Rob Kuehfus" userId="453d022f19b6df9a" providerId="LiveId" clId="{ABE95BDE-6DE9-452F-91A1-74BFF4F3B720}" dt="2018-06-18T16:49:28.256" v="2332" actId="20577"/>
-        <pc:sldMkLst>
-          <pc:docMk/>
-          <pc:sldMk cId="3353185689" sldId="257"/>
-        </pc:sldMkLst>
-        <pc:spChg chg="mod">
-          <ac:chgData name="Rob Kuehfus" userId="453d022f19b6df9a" providerId="LiveId" clId="{ABE95BDE-6DE9-452F-91A1-74BFF4F3B720}" dt="2018-06-18T16:49:28.256" v="2332" actId="20577"/>
-          <ac:spMkLst>
-            <pc:docMk/>
-            <pc:sldMk cId="3353185689" sldId="257"/>
-            <ac:spMk id="3" creationId="{AF88C286-9C1B-475A-8D11-F4C61E9EB7A9}"/>
-          </ac:spMkLst>
-        </pc:spChg>
-        <pc:picChg chg="del">
-          <ac:chgData name="Rob Kuehfus" userId="453d022f19b6df9a" providerId="LiveId" clId="{ABE95BDE-6DE9-452F-91A1-74BFF4F3B720}" dt="2018-06-05T15:58:37.999" v="790" actId="478"/>
-          <ac:picMkLst>
-            <pc:docMk/>
-            <pc:sldMk cId="3353185689" sldId="257"/>
-            <ac:picMk id="4" creationId="{44A23672-93E8-4A3F-AFBE-7C6818EE80DE}"/>
-          </ac:picMkLst>
-        </pc:picChg>
-      </pc:sldChg>
-      <pc:sldChg chg="addSp delSp modSp">
-        <pc:chgData name="Rob Kuehfus" userId="453d022f19b6df9a" providerId="LiveId" clId="{ABE95BDE-6DE9-452F-91A1-74BFF4F3B720}" dt="2018-06-11T15:18:13.151" v="1211" actId="478"/>
-        <pc:sldMkLst>
-          <pc:docMk/>
-          <pc:sldMk cId="2888112561" sldId="258"/>
-        </pc:sldMkLst>
-        <pc:spChg chg="add del mod">
-          <ac:chgData name="Rob Kuehfus" userId="453d022f19b6df9a" providerId="LiveId" clId="{ABE95BDE-6DE9-452F-91A1-74BFF4F3B720}" dt="2018-06-11T15:18:13.151" v="1211" actId="478"/>
-          <ac:spMkLst>
-            <pc:docMk/>
-            <pc:sldMk cId="2888112561" sldId="258"/>
-            <ac:spMk id="6" creationId="{A19890B8-D79E-4017-9BC6-3138B725AE75}"/>
-          </ac:spMkLst>
-        </pc:spChg>
-        <pc:picChg chg="del">
-          <ac:chgData name="Rob Kuehfus" userId="453d022f19b6df9a" providerId="LiveId" clId="{ABE95BDE-6DE9-452F-91A1-74BFF4F3B720}" dt="2018-06-05T16:05:23.541" v="1002" actId="478"/>
-          <ac:picMkLst>
-            <pc:docMk/>
-            <pc:sldMk cId="2888112561" sldId="258"/>
-            <ac:picMk id="4" creationId="{F17A5365-D706-4E3F-BB37-3E1B4B464635}"/>
-          </ac:picMkLst>
-        </pc:picChg>
-        <pc:picChg chg="mod">
-          <ac:chgData name="Rob Kuehfus" userId="453d022f19b6df9a" providerId="LiveId" clId="{ABE95BDE-6DE9-452F-91A1-74BFF4F3B720}" dt="2018-06-05T16:05:32.536" v="1004" actId="1076"/>
-          <ac:picMkLst>
-            <pc:docMk/>
-            <pc:sldMk cId="2888112561" sldId="258"/>
-            <ac:picMk id="5" creationId="{7BF837E2-6E34-43F6-AFAD-43E94CB695D9}"/>
-          </ac:picMkLst>
-        </pc:picChg>
-      </pc:sldChg>
-      <pc:sldChg chg="modSp">
-        <pc:chgData name="Rob Kuehfus" userId="453d022f19b6df9a" providerId="LiveId" clId="{ABE95BDE-6DE9-452F-91A1-74BFF4F3B720}" dt="2018-06-05T15:45:16.194" v="167" actId="20577"/>
-        <pc:sldMkLst>
-          <pc:docMk/>
-          <pc:sldMk cId="979064255" sldId="259"/>
-        </pc:sldMkLst>
-        <pc:spChg chg="mod">
-          <ac:chgData name="Rob Kuehfus" userId="453d022f19b6df9a" providerId="LiveId" clId="{ABE95BDE-6DE9-452F-91A1-74BFF4F3B720}" dt="2018-06-05T15:45:16.194" v="167" actId="20577"/>
-          <ac:spMkLst>
-            <pc:docMk/>
-            <pc:sldMk cId="979064255" sldId="259"/>
-            <ac:spMk id="3" creationId="{E583B256-EB77-4750-A793-27EDE3BD5BA1}"/>
-          </ac:spMkLst>
-        </pc:spChg>
-      </pc:sldChg>
-      <pc:sldChg chg="modSp">
-        <pc:chgData name="Rob Kuehfus" userId="453d022f19b6df9a" providerId="LiveId" clId="{ABE95BDE-6DE9-452F-91A1-74BFF4F3B720}" dt="2018-06-05T15:43:49.581" v="80" actId="20577"/>
-        <pc:sldMkLst>
-          <pc:docMk/>
-          <pc:sldMk cId="3499797234" sldId="260"/>
-        </pc:sldMkLst>
-        <pc:spChg chg="mod">
-          <ac:chgData name="Rob Kuehfus" userId="453d022f19b6df9a" providerId="LiveId" clId="{ABE95BDE-6DE9-452F-91A1-74BFF4F3B720}" dt="2018-06-05T15:43:49.581" v="80" actId="20577"/>
-          <ac:spMkLst>
-            <pc:docMk/>
-            <pc:sldMk cId="3499797234" sldId="260"/>
-            <ac:spMk id="3" creationId="{E583B256-EB77-4750-A793-27EDE3BD5BA1}"/>
-          </ac:spMkLst>
-        </pc:spChg>
-      </pc:sldChg>
-      <pc:sldChg chg="modSp">
-        <pc:chgData name="Rob Kuehfus" userId="453d022f19b6df9a" providerId="LiveId" clId="{ABE95BDE-6DE9-452F-91A1-74BFF4F3B720}" dt="2018-06-05T15:46:44.599" v="309" actId="20577"/>
-        <pc:sldMkLst>
-          <pc:docMk/>
-          <pc:sldMk cId="2675988397" sldId="261"/>
-        </pc:sldMkLst>
-        <pc:spChg chg="mod">
-          <ac:chgData name="Rob Kuehfus" userId="453d022f19b6df9a" providerId="LiveId" clId="{ABE95BDE-6DE9-452F-91A1-74BFF4F3B720}" dt="2018-06-05T15:46:44.599" v="309" actId="20577"/>
-          <ac:spMkLst>
-            <pc:docMk/>
-            <pc:sldMk cId="2675988397" sldId="261"/>
-            <ac:spMk id="3" creationId="{E583B256-EB77-4750-A793-27EDE3BD5BA1}"/>
-          </ac:spMkLst>
-        </pc:spChg>
-      </pc:sldChg>
-      <pc:sldChg chg="modSp">
-        <pc:chgData name="Rob Kuehfus" userId="453d022f19b6df9a" providerId="LiveId" clId="{ABE95BDE-6DE9-452F-91A1-74BFF4F3B720}" dt="2018-06-18T16:50:10.726" v="2350" actId="6549"/>
-        <pc:sldMkLst>
-          <pc:docMk/>
-          <pc:sldMk cId="2030375675" sldId="262"/>
-        </pc:sldMkLst>
-        <pc:spChg chg="mod">
-          <ac:chgData name="Rob Kuehfus" userId="453d022f19b6df9a" providerId="LiveId" clId="{ABE95BDE-6DE9-452F-91A1-74BFF4F3B720}" dt="2018-06-18T16:50:10.726" v="2350" actId="6549"/>
-          <ac:spMkLst>
-            <pc:docMk/>
-            <pc:sldMk cId="2030375675" sldId="262"/>
-            <ac:spMk id="3" creationId="{F6074475-A229-48AD-8729-0FD1E62F0B0C}"/>
-          </ac:spMkLst>
-        </pc:spChg>
-      </pc:sldChg>
-      <pc:sldChg chg="modSp">
-        <pc:chgData name="Rob Kuehfus" userId="453d022f19b6df9a" providerId="LiveId" clId="{ABE95BDE-6DE9-452F-91A1-74BFF4F3B720}" dt="2018-06-12T18:07:29.162" v="1988" actId="20577"/>
-        <pc:sldMkLst>
-          <pc:docMk/>
-          <pc:sldMk cId="4232406185" sldId="263"/>
-        </pc:sldMkLst>
-        <pc:spChg chg="mod">
-          <ac:chgData name="Rob Kuehfus" userId="453d022f19b6df9a" providerId="LiveId" clId="{ABE95BDE-6DE9-452F-91A1-74BFF4F3B720}" dt="2018-06-12T18:07:29.162" v="1988" actId="20577"/>
-          <ac:spMkLst>
-            <pc:docMk/>
-            <pc:sldMk cId="4232406185" sldId="263"/>
-            <ac:spMk id="3" creationId="{83B3D083-6DDC-4DF6-842F-2957BF37C439}"/>
-          </ac:spMkLst>
-        </pc:spChg>
-      </pc:sldChg>
-      <pc:sldChg chg="modSp">
-        <pc:chgData name="Rob Kuehfus" userId="453d022f19b6df9a" providerId="LiveId" clId="{ABE95BDE-6DE9-452F-91A1-74BFF4F3B720}" dt="2018-06-11T15:25:53.569" v="1823" actId="20577"/>
-        <pc:sldMkLst>
-          <pc:docMk/>
-          <pc:sldMk cId="340413092" sldId="264"/>
-        </pc:sldMkLst>
-        <pc:spChg chg="mod">
-          <ac:chgData name="Rob Kuehfus" userId="453d022f19b6df9a" providerId="LiveId" clId="{ABE95BDE-6DE9-452F-91A1-74BFF4F3B720}" dt="2018-06-11T15:25:53.569" v="1823" actId="20577"/>
-          <ac:spMkLst>
-            <pc:docMk/>
-            <pc:sldMk cId="340413092" sldId="264"/>
-            <ac:spMk id="3" creationId="{83B3D083-6DDC-4DF6-842F-2957BF37C439}"/>
-          </ac:spMkLst>
-        </pc:spChg>
-      </pc:sldChg>
-      <pc:sldChg chg="addSp delSp modSp ord modNotesTx">
-        <pc:chgData name="Rob Kuehfus" userId="453d022f19b6df9a" providerId="LiveId" clId="{ABE95BDE-6DE9-452F-91A1-74BFF4F3B720}" dt="2018-06-07T20:31:15.562" v="1193" actId="20577"/>
-        <pc:sldMkLst>
-          <pc:docMk/>
-          <pc:sldMk cId="1537815153" sldId="265"/>
-        </pc:sldMkLst>
-        <pc:spChg chg="mod">
-          <ac:chgData name="Rob Kuehfus" userId="453d022f19b6df9a" providerId="LiveId" clId="{ABE95BDE-6DE9-452F-91A1-74BFF4F3B720}" dt="2018-06-06T22:25:20.147" v="1171" actId="27636"/>
-          <ac:spMkLst>
-            <pc:docMk/>
-            <pc:sldMk cId="1537815153" sldId="265"/>
-            <ac:spMk id="3" creationId="{FE3E7BEA-002A-4F53-9311-56D273224274}"/>
-          </ac:spMkLst>
-        </pc:spChg>
-        <pc:picChg chg="del mod">
-          <ac:chgData name="Rob Kuehfus" userId="453d022f19b6df9a" providerId="LiveId" clId="{ABE95BDE-6DE9-452F-91A1-74BFF4F3B720}" dt="2018-06-05T21:05:37.774" v="1125" actId="478"/>
-          <ac:picMkLst>
-            <pc:docMk/>
-            <pc:sldMk cId="1537815153" sldId="265"/>
-            <ac:picMk id="4" creationId="{869B12D2-BAB6-4955-913F-045242DE879F}"/>
-          </ac:picMkLst>
-        </pc:picChg>
-        <pc:picChg chg="add mod">
-          <ac:chgData name="Rob Kuehfus" userId="453d022f19b6df9a" providerId="LiveId" clId="{ABE95BDE-6DE9-452F-91A1-74BFF4F3B720}" dt="2018-06-05T21:05:47.325" v="1128" actId="1076"/>
-          <ac:picMkLst>
-            <pc:docMk/>
-            <pc:sldMk cId="1537815153" sldId="265"/>
-            <ac:picMk id="5" creationId="{3C99D699-7C01-4260-8BEA-B9C8EE5E6244}"/>
-          </ac:picMkLst>
-        </pc:picChg>
-      </pc:sldChg>
-      <pc:sldChg chg="modSp">
-        <pc:chgData name="Rob Kuehfus" userId="453d022f19b6df9a" providerId="LiveId" clId="{ABE95BDE-6DE9-452F-91A1-74BFF4F3B720}" dt="2018-06-18T17:01:27.282" v="2821" actId="20577"/>
-        <pc:sldMkLst>
-          <pc:docMk/>
-          <pc:sldMk cId="3119135505" sldId="266"/>
-        </pc:sldMkLst>
-        <pc:spChg chg="mod">
-          <ac:chgData name="Rob Kuehfus" userId="453d022f19b6df9a" providerId="LiveId" clId="{ABE95BDE-6DE9-452F-91A1-74BFF4F3B720}" dt="2018-06-18T17:01:27.282" v="2821" actId="20577"/>
-          <ac:spMkLst>
-            <pc:docMk/>
-            <pc:sldMk cId="3119135505" sldId="266"/>
-            <ac:spMk id="3" creationId="{1E78601A-55E5-4C27-BA46-67A384908580}"/>
-          </ac:spMkLst>
-        </pc:spChg>
-      </pc:sldChg>
-      <pc:sldChg chg="delSp modSp add ord modNotesTx">
-        <pc:chgData name="Rob Kuehfus" userId="453d022f19b6df9a" providerId="LiveId" clId="{ABE95BDE-6DE9-452F-91A1-74BFF4F3B720}" dt="2018-06-18T16:52:03.197" v="2351" actId="20577"/>
-        <pc:sldMkLst>
-          <pc:docMk/>
-          <pc:sldMk cId="403726206" sldId="267"/>
-        </pc:sldMkLst>
-        <pc:spChg chg="mod">
-          <ac:chgData name="Rob Kuehfus" userId="453d022f19b6df9a" providerId="LiveId" clId="{ABE95BDE-6DE9-452F-91A1-74BFF4F3B720}" dt="2018-06-05T16:04:02.060" v="951" actId="20577"/>
-          <ac:spMkLst>
-            <pc:docMk/>
-            <pc:sldMk cId="403726206" sldId="267"/>
-            <ac:spMk id="2" creationId="{B7319F75-02E7-492E-993C-436E919704BB}"/>
-          </ac:spMkLst>
-        </pc:spChg>
-        <pc:spChg chg="mod">
-          <ac:chgData name="Rob Kuehfus" userId="453d022f19b6df9a" providerId="LiveId" clId="{ABE95BDE-6DE9-452F-91A1-74BFF4F3B720}" dt="2018-06-07T20:31:45.060" v="1207" actId="6549"/>
-          <ac:spMkLst>
-            <pc:docMk/>
-            <pc:sldMk cId="403726206" sldId="267"/>
-            <ac:spMk id="3" creationId="{AF88C286-9C1B-475A-8D11-F4C61E9EB7A9}"/>
-          </ac:spMkLst>
-        </pc:spChg>
-        <pc:picChg chg="del mod">
-          <ac:chgData name="Rob Kuehfus" userId="453d022f19b6df9a" providerId="LiveId" clId="{ABE95BDE-6DE9-452F-91A1-74BFF4F3B720}" dt="2018-06-07T20:32:00.180" v="1208" actId="478"/>
-          <ac:picMkLst>
-            <pc:docMk/>
-            <pc:sldMk cId="403726206" sldId="267"/>
-            <ac:picMk id="4" creationId="{44A23672-93E8-4A3F-AFBE-7C6818EE80DE}"/>
-          </ac:picMkLst>
-        </pc:picChg>
-      </pc:sldChg>
-      <pc:sldChg chg="delSp modSp add ord">
-        <pc:chgData name="Rob Kuehfus" userId="453d022f19b6df9a" providerId="LiveId" clId="{ABE95BDE-6DE9-452F-91A1-74BFF4F3B720}" dt="2018-06-18T16:52:03.197" v="2351" actId="20577"/>
-        <pc:sldMkLst>
-          <pc:docMk/>
-          <pc:sldMk cId="1111879527" sldId="268"/>
-        </pc:sldMkLst>
-        <pc:picChg chg="mod">
-          <ac:chgData name="Rob Kuehfus" userId="453d022f19b6df9a" providerId="LiveId" clId="{ABE95BDE-6DE9-452F-91A1-74BFF4F3B720}" dt="2018-06-05T16:05:48.013" v="1008" actId="1076"/>
-          <ac:picMkLst>
-            <pc:docMk/>
-            <pc:sldMk cId="1111879527" sldId="268"/>
-            <ac:picMk id="4" creationId="{F17A5365-D706-4E3F-BB37-3E1B4B464635}"/>
-          </ac:picMkLst>
-        </pc:picChg>
-        <pc:picChg chg="del">
-          <ac:chgData name="Rob Kuehfus" userId="453d022f19b6df9a" providerId="LiveId" clId="{ABE95BDE-6DE9-452F-91A1-74BFF4F3B720}" dt="2018-06-05T16:05:38.700" v="1005" actId="478"/>
-          <ac:picMkLst>
-            <pc:docMk/>
-            <pc:sldMk cId="1111879527" sldId="268"/>
-            <ac:picMk id="5" creationId="{7BF837E2-6E34-43F6-AFAD-43E94CB695D9}"/>
-          </ac:picMkLst>
-        </pc:picChg>
-      </pc:sldChg>
-      <pc:sldChg chg="addSp delSp modSp add">
-        <pc:chgData name="Rob Kuehfus" userId="453d022f19b6df9a" providerId="LiveId" clId="{ABE95BDE-6DE9-452F-91A1-74BFF4F3B720}" dt="2018-06-18T16:53:16.803" v="2372" actId="20577"/>
-        <pc:sldMkLst>
-          <pc:docMk/>
-          <pc:sldMk cId="1924108191" sldId="269"/>
-        </pc:sldMkLst>
-        <pc:spChg chg="del">
-          <ac:chgData name="Rob Kuehfus" userId="453d022f19b6df9a" providerId="LiveId" clId="{ABE95BDE-6DE9-452F-91A1-74BFF4F3B720}" dt="2018-06-18T16:52:18.892" v="2353" actId="20577"/>
-          <ac:spMkLst>
-            <pc:docMk/>
-            <pc:sldMk cId="1924108191" sldId="269"/>
-            <ac:spMk id="2" creationId="{D43E20EF-8EB5-475D-81EE-7CC7482008D5}"/>
-          </ac:spMkLst>
-        </pc:spChg>
-        <pc:spChg chg="del">
-          <ac:chgData name="Rob Kuehfus" userId="453d022f19b6df9a" providerId="LiveId" clId="{ABE95BDE-6DE9-452F-91A1-74BFF4F3B720}" dt="2018-06-18T16:52:18.892" v="2353" actId="20577"/>
-          <ac:spMkLst>
-            <pc:docMk/>
-            <pc:sldMk cId="1924108191" sldId="269"/>
-            <ac:spMk id="3" creationId="{689349EF-5995-476F-AE97-5545386CC419}"/>
-          </ac:spMkLst>
-        </pc:spChg>
-        <pc:spChg chg="add mod">
-          <ac:chgData name="Rob Kuehfus" userId="453d022f19b6df9a" providerId="LiveId" clId="{ABE95BDE-6DE9-452F-91A1-74BFF4F3B720}" dt="2018-06-18T16:53:16.803" v="2372" actId="20577"/>
-          <ac:spMkLst>
-            <pc:docMk/>
-            <pc:sldMk cId="1924108191" sldId="269"/>
-            <ac:spMk id="4" creationId="{CD138661-B7C5-4927-843B-13B9D076E75A}"/>
-          </ac:spMkLst>
-        </pc:spChg>
-        <pc:spChg chg="add mod">
-          <ac:chgData name="Rob Kuehfus" userId="453d022f19b6df9a" providerId="LiveId" clId="{ABE95BDE-6DE9-452F-91A1-74BFF4F3B720}" dt="2018-06-18T16:52:18.892" v="2353" actId="20577"/>
-          <ac:spMkLst>
-            <pc:docMk/>
-            <pc:sldMk cId="1924108191" sldId="269"/>
-            <ac:spMk id="5" creationId="{B3E993D0-F947-4952-8D6A-754E76C7C98F}"/>
-          </ac:spMkLst>
-        </pc:spChg>
-      </pc:sldChg>
-    </pc:docChg>
-  </pc:docChgLst>
-  <pc:docChgLst>
-    <pc:chgData name="Rob Kuehfus" userId="453d022f19b6df9a" providerId="LiveId" clId="{00300C55-CFA3-4DC3-A480-DB1F7B2B1E1F}"/>
-    <pc:docChg chg="custSel modSld">
-      <pc:chgData name="Rob Kuehfus" userId="453d022f19b6df9a" providerId="LiveId" clId="{00300C55-CFA3-4DC3-A480-DB1F7B2B1E1F}" dt="2018-06-01T12:41:30.354" v="123" actId="20577"/>
-      <pc:docMkLst>
-        <pc:docMk/>
-      </pc:docMkLst>
-      <pc:sldChg chg="modSp">
-        <pc:chgData name="Rob Kuehfus" userId="453d022f19b6df9a" providerId="LiveId" clId="{00300C55-CFA3-4DC3-A480-DB1F7B2B1E1F}" dt="2018-05-31T13:18:24.560" v="10" actId="13926"/>
-        <pc:sldMkLst>
-          <pc:docMk/>
-          <pc:sldMk cId="3353185689" sldId="257"/>
-        </pc:sldMkLst>
-        <pc:spChg chg="mod">
-          <ac:chgData name="Rob Kuehfus" userId="453d022f19b6df9a" providerId="LiveId" clId="{00300C55-CFA3-4DC3-A480-DB1F7B2B1E1F}" dt="2018-05-31T13:18:24.560" v="10" actId="13926"/>
-          <ac:spMkLst>
-            <pc:docMk/>
-            <pc:sldMk cId="3353185689" sldId="257"/>
-            <ac:spMk id="3" creationId="{AF88C286-9C1B-475A-8D11-F4C61E9EB7A9}"/>
-          </ac:spMkLst>
-        </pc:spChg>
-      </pc:sldChg>
-      <pc:sldChg chg="modSp">
-        <pc:chgData name="Rob Kuehfus" userId="453d022f19b6df9a" providerId="LiveId" clId="{00300C55-CFA3-4DC3-A480-DB1F7B2B1E1F}" dt="2018-05-31T12:26:38.782" v="9" actId="20577"/>
-        <pc:sldMkLst>
-          <pc:docMk/>
-          <pc:sldMk cId="979064255" sldId="259"/>
-        </pc:sldMkLst>
-        <pc:spChg chg="mod">
-          <ac:chgData name="Rob Kuehfus" userId="453d022f19b6df9a" providerId="LiveId" clId="{00300C55-CFA3-4DC3-A480-DB1F7B2B1E1F}" dt="2018-05-31T12:26:38.782" v="9" actId="20577"/>
-          <ac:spMkLst>
-            <pc:docMk/>
-            <pc:sldMk cId="979064255" sldId="259"/>
-            <ac:spMk id="3" creationId="{E583B256-EB77-4750-A793-27EDE3BD5BA1}"/>
-          </ac:spMkLst>
-        </pc:spChg>
-      </pc:sldChg>
-      <pc:sldChg chg="modSp">
-        <pc:chgData name="Rob Kuehfus" userId="453d022f19b6df9a" providerId="LiveId" clId="{00300C55-CFA3-4DC3-A480-DB1F7B2B1E1F}" dt="2018-06-01T12:41:30.354" v="123" actId="20577"/>
-        <pc:sldMkLst>
-          <pc:docMk/>
-          <pc:sldMk cId="2675988397" sldId="261"/>
-        </pc:sldMkLst>
-        <pc:spChg chg="mod">
-          <ac:chgData name="Rob Kuehfus" userId="453d022f19b6df9a" providerId="LiveId" clId="{00300C55-CFA3-4DC3-A480-DB1F7B2B1E1F}" dt="2018-06-01T12:41:30.354" v="123" actId="20577"/>
-          <ac:spMkLst>
-            <pc:docMk/>
-            <pc:sldMk cId="2675988397" sldId="261"/>
-            <ac:spMk id="3" creationId="{E583B256-EB77-4750-A793-27EDE3BD5BA1}"/>
-          </ac:spMkLst>
-        </pc:spChg>
-      </pc:sldChg>
-      <pc:sldChg chg="modSp">
-        <pc:chgData name="Rob Kuehfus" userId="453d022f19b6df9a" providerId="LiveId" clId="{00300C55-CFA3-4DC3-A480-DB1F7B2B1E1F}" dt="2018-05-31T16:39:37.088" v="15" actId="14"/>
-        <pc:sldMkLst>
-          <pc:docMk/>
-          <pc:sldMk cId="4232406185" sldId="263"/>
-        </pc:sldMkLst>
-        <pc:spChg chg="mod">
-          <ac:chgData name="Rob Kuehfus" userId="453d022f19b6df9a" providerId="LiveId" clId="{00300C55-CFA3-4DC3-A480-DB1F7B2B1E1F}" dt="2018-05-31T16:39:37.088" v="15" actId="14"/>
-          <ac:spMkLst>
-            <pc:docMk/>
-            <pc:sldMk cId="4232406185" sldId="263"/>
-            <ac:spMk id="3" creationId="{83B3D083-6DDC-4DF6-842F-2957BF37C439}"/>
-          </ac:spMkLst>
-        </pc:spChg>
-      </pc:sldChg>
-      <pc:sldChg chg="modSp">
-        <pc:chgData name="Rob Kuehfus" userId="453d022f19b6df9a" providerId="LiveId" clId="{00300C55-CFA3-4DC3-A480-DB1F7B2B1E1F}" dt="2018-05-31T20:41:52.057" v="33" actId="20577"/>
-        <pc:sldMkLst>
-          <pc:docMk/>
-          <pc:sldMk cId="1537815153" sldId="265"/>
-        </pc:sldMkLst>
-        <pc:spChg chg="mod">
-          <ac:chgData name="Rob Kuehfus" userId="453d022f19b6df9a" providerId="LiveId" clId="{00300C55-CFA3-4DC3-A480-DB1F7B2B1E1F}" dt="2018-05-31T20:41:52.057" v="33" actId="20577"/>
-          <ac:spMkLst>
-            <pc:docMk/>
-            <pc:sldMk cId="1537815153" sldId="265"/>
-            <ac:spMk id="3" creationId="{FE3E7BEA-002A-4F53-9311-56D273224274}"/>
-          </ac:spMkLst>
-        </pc:spChg>
-      </pc:sldChg>
-    </pc:docChg>
-  </pc:docChgLst>
-</pc:chgInfo>
-</file>
-
 <file path=ppt/notesMasters/notesMaster1.xml><?xml version="1.0" encoding="utf-8"?>
 <p:notesMaster xmlns:a="http://schemas.openxmlformats.org/drawingml/2006/main" xmlns:r="http://schemas.openxmlformats.org/officeDocument/2006/relationships" xmlns:p="http://schemas.openxmlformats.org/presentationml/2006/main">
   <p:cSld>
@@ -603,7 +206,7 @@
           <a:p>
             <a:fld id="{53D76E38-EB4B-425D-87E0-B33791D2CD91}" type="datetimeFigureOut">
               <a:rPr lang="en-US" smtClean="0"/>
-              <a:t>10/18/2018</a:t>
+              <a:t>11/22/2018</a:t>
             </a:fld>
             <a:endParaRPr lang="en-US"/>
           </a:p>
@@ -935,7 +538,7 @@
           <a:p>
             <a:fld id="{D1ABA2CB-342C-46F9-95EC-88F4F68DF547}" type="slidenum">
               <a:rPr lang="en-US" smtClean="0"/>
-              <a:t>5</a:t>
+              <a:t>3</a:t>
             </a:fld>
             <a:endParaRPr lang="en-US"/>
           </a:p>
@@ -1019,7 +622,7 @@
           <a:p>
             <a:fld id="{D1ABA2CB-342C-46F9-95EC-88F4F68DF547}" type="slidenum">
               <a:rPr lang="en-US" smtClean="0"/>
-              <a:t>7</a:t>
+              <a:t>5</a:t>
             </a:fld>
             <a:endParaRPr lang="en-US"/>
           </a:p>
@@ -1029,482 +632,6 @@
     <p:extLst>
       <p:ext uri="{BB962C8B-B14F-4D97-AF65-F5344CB8AC3E}">
         <p14:creationId xmlns:p14="http://schemas.microsoft.com/office/powerpoint/2010/main" val="136850238"/>
-      </p:ext>
-    </p:extLst>
-  </p:cSld>
-  <p:clrMapOvr>
-    <a:masterClrMapping/>
-  </p:clrMapOvr>
-</p:notes>
-</file>
-
-<file path=ppt/notesSlides/notesSlide3.xml><?xml version="1.0" encoding="utf-8"?>
-<p:notes xmlns:a="http://schemas.openxmlformats.org/drawingml/2006/main" xmlns:r="http://schemas.openxmlformats.org/officeDocument/2006/relationships" xmlns:p="http://schemas.openxmlformats.org/presentationml/2006/main">
-  <p:cSld>
-    <p:spTree>
-      <p:nvGrpSpPr>
-        <p:cNvPr id="1" name=""/>
-        <p:cNvGrpSpPr/>
-        <p:nvPr/>
-      </p:nvGrpSpPr>
-      <p:grpSpPr>
-        <a:xfrm>
-          <a:off x="0" y="0"/>
-          <a:ext cx="0" cy="0"/>
-          <a:chOff x="0" y="0"/>
-          <a:chExt cx="0" cy="0"/>
-        </a:xfrm>
-      </p:grpSpPr>
-      <p:sp>
-        <p:nvSpPr>
-          <p:cNvPr id="2" name="Slide Image Placeholder 1"/>
-          <p:cNvSpPr>
-            <a:spLocks noGrp="1" noRot="1" noChangeAspect="1"/>
-          </p:cNvSpPr>
-          <p:nvPr>
-            <p:ph type="sldImg"/>
-          </p:nvPr>
-        </p:nvSpPr>
-        <p:spPr/>
-      </p:sp>
-      <p:sp>
-        <p:nvSpPr>
-          <p:cNvPr id="3" name="Notes Placeholder 2"/>
-          <p:cNvSpPr>
-            <a:spLocks noGrp="1"/>
-          </p:cNvSpPr>
-          <p:nvPr>
-            <p:ph type="body" idx="1"/>
-          </p:nvPr>
-        </p:nvSpPr>
-        <p:spPr/>
-        <p:txBody>
-          <a:bodyPr/>
-          <a:lstStyle/>
-          <a:p>
-            <a:r>
-              <a:rPr lang="en-US" dirty="0"/>
-              <a:t>.NET Core SDK - https://www.microsoft.com/net/download/thank-you/dotnet-sdk-2.1.300-windows-x64-installer</a:t>
-            </a:r>
-          </a:p>
-          <a:p>
-            <a:r>
-              <a:rPr lang="en-US" sz="1200" b="0" i="0" kern="1200" dirty="0">
-                <a:solidFill>
-                  <a:schemeClr val="tx1"/>
-                </a:solidFill>
-                <a:effectLst/>
-                <a:latin typeface="+mn-lt"/>
-                <a:ea typeface="+mn-ea"/>
-                <a:cs typeface="+mn-cs"/>
-              </a:rPr>
-              <a:t>.NET Core Windows Server Hosting bundle </a:t>
-            </a:r>
-            <a:r>
-              <a:rPr lang="en-US" dirty="0"/>
-              <a:t>https://go.microsoft.com/fwlink/?linkid=844461</a:t>
-            </a:r>
-          </a:p>
-          <a:p>
-            <a:endParaRPr lang="en-US" dirty="0"/>
-          </a:p>
-          <a:p>
-            <a:r>
-              <a:rPr lang="en-US" sz="1200" dirty="0"/>
-              <a:t>Install .NET Core Runtime</a:t>
-            </a:r>
-          </a:p>
-          <a:p>
-            <a:pPr marL="0" indent="0">
-              <a:buNone/>
-            </a:pPr>
-            <a:r>
-              <a:rPr lang="en-US" sz="1200" dirty="0">
-                <a:hlinkClick r:id="rId3"/>
-              </a:rPr>
-              <a:t>https://www.microsoft.com/net/download/dotnet-core/runtime-2.0.7</a:t>
-            </a:r>
-            <a:endParaRPr lang="en-US" sz="1200" dirty="0"/>
-          </a:p>
-          <a:p>
-            <a:endParaRPr lang="en-US" dirty="0"/>
-          </a:p>
-          <a:p>
-            <a:endParaRPr lang="en-US" dirty="0"/>
-          </a:p>
-          <a:p>
-            <a:r>
-              <a:rPr lang="en-US" dirty="0"/>
-              <a:t>TODO – </a:t>
-            </a:r>
-          </a:p>
-          <a:p>
-            <a:r>
-              <a:rPr lang="en-US" dirty="0"/>
-              <a:t>Create PS script for the installs and add to ARM Template</a:t>
-            </a:r>
-          </a:p>
-        </p:txBody>
-      </p:sp>
-      <p:sp>
-        <p:nvSpPr>
-          <p:cNvPr id="4" name="Slide Number Placeholder 3"/>
-          <p:cNvSpPr>
-            <a:spLocks noGrp="1"/>
-          </p:cNvSpPr>
-          <p:nvPr>
-            <p:ph type="sldNum" sz="quarter" idx="10"/>
-          </p:nvPr>
-        </p:nvSpPr>
-        <p:spPr/>
-        <p:txBody>
-          <a:bodyPr/>
-          <a:lstStyle/>
-          <a:p>
-            <a:fld id="{D1ABA2CB-342C-46F9-95EC-88F4F68DF547}" type="slidenum">
-              <a:rPr lang="en-US" smtClean="0"/>
-              <a:t>14</a:t>
-            </a:fld>
-            <a:endParaRPr lang="en-US"/>
-          </a:p>
-        </p:txBody>
-      </p:sp>
-    </p:spTree>
-    <p:extLst>
-      <p:ext uri="{BB962C8B-B14F-4D97-AF65-F5344CB8AC3E}">
-        <p14:creationId xmlns:p14="http://schemas.microsoft.com/office/powerpoint/2010/main" val="1135399030"/>
-      </p:ext>
-    </p:extLst>
-  </p:cSld>
-  <p:clrMapOvr>
-    <a:masterClrMapping/>
-  </p:clrMapOvr>
-</p:notes>
-</file>
-
-<file path=ppt/notesSlides/notesSlide4.xml><?xml version="1.0" encoding="utf-8"?>
-<p:notes xmlns:a="http://schemas.openxmlformats.org/drawingml/2006/main" xmlns:r="http://schemas.openxmlformats.org/officeDocument/2006/relationships" xmlns:p="http://schemas.openxmlformats.org/presentationml/2006/main">
-  <p:cSld>
-    <p:spTree>
-      <p:nvGrpSpPr>
-        <p:cNvPr id="1" name=""/>
-        <p:cNvGrpSpPr/>
-        <p:nvPr/>
-      </p:nvGrpSpPr>
-      <p:grpSpPr>
-        <a:xfrm>
-          <a:off x="0" y="0"/>
-          <a:ext cx="0" cy="0"/>
-          <a:chOff x="0" y="0"/>
-          <a:chExt cx="0" cy="0"/>
-        </a:xfrm>
-      </p:grpSpPr>
-      <p:sp>
-        <p:nvSpPr>
-          <p:cNvPr id="2" name="Slide Image Placeholder 1"/>
-          <p:cNvSpPr>
-            <a:spLocks noGrp="1" noRot="1" noChangeAspect="1"/>
-          </p:cNvSpPr>
-          <p:nvPr>
-            <p:ph type="sldImg"/>
-          </p:nvPr>
-        </p:nvSpPr>
-        <p:spPr/>
-      </p:sp>
-      <p:sp>
-        <p:nvSpPr>
-          <p:cNvPr id="3" name="Notes Placeholder 2"/>
-          <p:cNvSpPr>
-            <a:spLocks noGrp="1"/>
-          </p:cNvSpPr>
-          <p:nvPr>
-            <p:ph type="body" idx="1"/>
-          </p:nvPr>
-        </p:nvSpPr>
-        <p:spPr/>
-        <p:txBody>
-          <a:bodyPr/>
-          <a:lstStyle/>
-          <a:p>
-            <a:r>
-              <a:rPr lang="en-US" sz="1200" kern="1200" dirty="0">
-                <a:solidFill>
-                  <a:schemeClr val="tx1"/>
-                </a:solidFill>
-                <a:latin typeface="+mn-lt"/>
-                <a:ea typeface="+mn-ea"/>
-                <a:cs typeface="+mn-cs"/>
-              </a:rPr>
-              <a:t>"</a:t>
-            </a:r>
-            <a:r>
-              <a:rPr lang="en-US" sz="1200" kern="1200" dirty="0" err="1">
-                <a:solidFill>
-                  <a:schemeClr val="tx1"/>
-                </a:solidFill>
-                <a:latin typeface="+mn-lt"/>
-                <a:ea typeface="+mn-ea"/>
-                <a:cs typeface="+mn-cs"/>
-              </a:rPr>
-              <a:t>ConnectionStrings</a:t>
-            </a:r>
-            <a:r>
-              <a:rPr lang="en-US" sz="1200" kern="1200" dirty="0">
-                <a:solidFill>
-                  <a:schemeClr val="tx1"/>
-                </a:solidFill>
-                <a:latin typeface="+mn-lt"/>
-                <a:ea typeface="+mn-ea"/>
-                <a:cs typeface="+mn-cs"/>
-              </a:rPr>
-              <a:t>": {</a:t>
-            </a:r>
-          </a:p>
-          <a:p>
-            <a:r>
-              <a:rPr lang="en-US" sz="1200" kern="1200" dirty="0">
-                <a:solidFill>
-                  <a:schemeClr val="tx1"/>
-                </a:solidFill>
-                <a:latin typeface="+mn-lt"/>
-                <a:ea typeface="+mn-ea"/>
-                <a:cs typeface="+mn-cs"/>
-              </a:rPr>
-              <a:t>    "</a:t>
-            </a:r>
-            <a:r>
-              <a:rPr lang="en-US" sz="1200" kern="1200" dirty="0" err="1">
-                <a:solidFill>
-                  <a:schemeClr val="tx1"/>
-                </a:solidFill>
-                <a:latin typeface="+mn-lt"/>
-                <a:ea typeface="+mn-ea"/>
-                <a:cs typeface="+mn-cs"/>
-              </a:rPr>
-              <a:t>CatalogConnection</a:t>
-            </a:r>
-            <a:r>
-              <a:rPr lang="en-US" sz="1200" kern="1200" dirty="0">
-                <a:solidFill>
-                  <a:schemeClr val="tx1"/>
-                </a:solidFill>
-                <a:latin typeface="+mn-lt"/>
-                <a:ea typeface="+mn-ea"/>
-                <a:cs typeface="+mn-cs"/>
-              </a:rPr>
-              <a:t>": "Server=estoredb01;Integrated Security=</a:t>
-            </a:r>
-            <a:r>
-              <a:rPr lang="en-US" sz="1200" kern="1200" dirty="0" err="1">
-                <a:solidFill>
-                  <a:schemeClr val="tx1"/>
-                </a:solidFill>
-                <a:latin typeface="+mn-lt"/>
-                <a:ea typeface="+mn-ea"/>
-                <a:cs typeface="+mn-cs"/>
-              </a:rPr>
-              <a:t>false;User</a:t>
-            </a:r>
-            <a:r>
-              <a:rPr lang="en-US" sz="1200" kern="1200" dirty="0">
-                <a:solidFill>
-                  <a:schemeClr val="tx1"/>
-                </a:solidFill>
-                <a:latin typeface="+mn-lt"/>
-                <a:ea typeface="+mn-ea"/>
-                <a:cs typeface="+mn-cs"/>
-              </a:rPr>
-              <a:t> ID=</a:t>
-            </a:r>
-            <a:r>
-              <a:rPr lang="en-US" sz="1200" kern="1200" dirty="0" err="1">
-                <a:solidFill>
-                  <a:schemeClr val="tx1"/>
-                </a:solidFill>
-                <a:latin typeface="+mn-lt"/>
-                <a:ea typeface="+mn-ea"/>
-                <a:cs typeface="+mn-cs"/>
-              </a:rPr>
-              <a:t>sqladmin;Password</a:t>
-            </a:r>
-            <a:r>
-              <a:rPr lang="en-US" sz="1200" kern="1200" dirty="0">
-                <a:solidFill>
-                  <a:schemeClr val="tx1"/>
-                </a:solidFill>
-                <a:latin typeface="+mn-lt"/>
-                <a:ea typeface="+mn-ea"/>
-                <a:cs typeface="+mn-cs"/>
-              </a:rPr>
-              <a:t>=P@ssw0rd123!!;Initial Catalog=</a:t>
-            </a:r>
-            <a:r>
-              <a:rPr lang="en-US" sz="1200" kern="1200" dirty="0" err="1">
-                <a:solidFill>
-                  <a:schemeClr val="tx1"/>
-                </a:solidFill>
-                <a:latin typeface="+mn-lt"/>
-                <a:ea typeface="+mn-ea"/>
-                <a:cs typeface="+mn-cs"/>
-              </a:rPr>
-              <a:t>Microsoft.eShopOnWeb.CatalogDb</a:t>
-            </a:r>
-            <a:r>
-              <a:rPr lang="en-US" sz="1200" kern="1200" dirty="0">
-                <a:solidFill>
-                  <a:schemeClr val="tx1"/>
-                </a:solidFill>
-                <a:latin typeface="+mn-lt"/>
-                <a:ea typeface="+mn-ea"/>
-                <a:cs typeface="+mn-cs"/>
-              </a:rPr>
-              <a:t>;",</a:t>
-            </a:r>
-          </a:p>
-          <a:p>
-            <a:r>
-              <a:rPr lang="en-US" sz="1200" kern="1200" dirty="0">
-                <a:solidFill>
-                  <a:schemeClr val="tx1"/>
-                </a:solidFill>
-                <a:latin typeface="+mn-lt"/>
-                <a:ea typeface="+mn-ea"/>
-                <a:cs typeface="+mn-cs"/>
-              </a:rPr>
-              <a:t>    "</a:t>
-            </a:r>
-            <a:r>
-              <a:rPr lang="en-US" sz="1200" kern="1200" dirty="0" err="1">
-                <a:solidFill>
-                  <a:schemeClr val="tx1"/>
-                </a:solidFill>
-                <a:latin typeface="+mn-lt"/>
-                <a:ea typeface="+mn-ea"/>
-                <a:cs typeface="+mn-cs"/>
-              </a:rPr>
-              <a:t>IdentityConnection</a:t>
-            </a:r>
-            <a:r>
-              <a:rPr lang="en-US" sz="1200" kern="1200" dirty="0">
-                <a:solidFill>
-                  <a:schemeClr val="tx1"/>
-                </a:solidFill>
-                <a:latin typeface="+mn-lt"/>
-                <a:ea typeface="+mn-ea"/>
-                <a:cs typeface="+mn-cs"/>
-              </a:rPr>
-              <a:t>": "Server=estoredb01;Integrated Security=</a:t>
-            </a:r>
-            <a:r>
-              <a:rPr lang="en-US" sz="1200" kern="1200" dirty="0" err="1">
-                <a:solidFill>
-                  <a:schemeClr val="tx1"/>
-                </a:solidFill>
-                <a:latin typeface="+mn-lt"/>
-                <a:ea typeface="+mn-ea"/>
-                <a:cs typeface="+mn-cs"/>
-              </a:rPr>
-              <a:t>false;User</a:t>
-            </a:r>
-            <a:r>
-              <a:rPr lang="en-US" sz="1200" kern="1200" dirty="0">
-                <a:solidFill>
-                  <a:schemeClr val="tx1"/>
-                </a:solidFill>
-                <a:latin typeface="+mn-lt"/>
-                <a:ea typeface="+mn-ea"/>
-                <a:cs typeface="+mn-cs"/>
-              </a:rPr>
-              <a:t> ID=</a:t>
-            </a:r>
-            <a:r>
-              <a:rPr lang="en-US" sz="1200" kern="1200" dirty="0" err="1">
-                <a:solidFill>
-                  <a:schemeClr val="tx1"/>
-                </a:solidFill>
-                <a:latin typeface="+mn-lt"/>
-                <a:ea typeface="+mn-ea"/>
-                <a:cs typeface="+mn-cs"/>
-              </a:rPr>
-              <a:t>sqladmin;Password</a:t>
-            </a:r>
-            <a:r>
-              <a:rPr lang="en-US" sz="1200" kern="1200" dirty="0">
-                <a:solidFill>
-                  <a:schemeClr val="tx1"/>
-                </a:solidFill>
-                <a:latin typeface="+mn-lt"/>
-                <a:ea typeface="+mn-ea"/>
-                <a:cs typeface="+mn-cs"/>
-              </a:rPr>
-              <a:t>=P@ssw0rd123!!;Initial Catalog=</a:t>
-            </a:r>
-            <a:r>
-              <a:rPr lang="en-US" sz="1200" kern="1200" dirty="0" err="1">
-                <a:solidFill>
-                  <a:schemeClr val="tx1"/>
-                </a:solidFill>
-                <a:latin typeface="+mn-lt"/>
-                <a:ea typeface="+mn-ea"/>
-                <a:cs typeface="+mn-cs"/>
-              </a:rPr>
-              <a:t>Microsoft.eShopOnWeb.Identity</a:t>
-            </a:r>
-            <a:r>
-              <a:rPr lang="en-US" sz="1200" kern="1200" dirty="0">
-                <a:solidFill>
-                  <a:schemeClr val="tx1"/>
-                </a:solidFill>
-                <a:latin typeface="+mn-lt"/>
-                <a:ea typeface="+mn-ea"/>
-                <a:cs typeface="+mn-cs"/>
-              </a:rPr>
-              <a:t>;"</a:t>
-            </a:r>
-          </a:p>
-          <a:p>
-            <a:r>
-              <a:rPr lang="en-US" sz="1200" kern="1200" dirty="0">
-                <a:solidFill>
-                  <a:schemeClr val="tx1"/>
-                </a:solidFill>
-                <a:latin typeface="+mn-lt"/>
-                <a:ea typeface="+mn-ea"/>
-                <a:cs typeface="+mn-cs"/>
-              </a:rPr>
-              <a:t>  },</a:t>
-            </a:r>
-            <a:endParaRPr lang="en-US" dirty="0"/>
-          </a:p>
-        </p:txBody>
-      </p:sp>
-      <p:sp>
-        <p:nvSpPr>
-          <p:cNvPr id="4" name="Slide Number Placeholder 3"/>
-          <p:cNvSpPr>
-            <a:spLocks noGrp="1"/>
-          </p:cNvSpPr>
-          <p:nvPr>
-            <p:ph type="sldNum" sz="quarter" idx="10"/>
-          </p:nvPr>
-        </p:nvSpPr>
-        <p:spPr/>
-        <p:txBody>
-          <a:bodyPr/>
-          <a:lstStyle/>
-          <a:p>
-            <a:fld id="{D1ABA2CB-342C-46F9-95EC-88F4F68DF547}" type="slidenum">
-              <a:rPr lang="en-US" smtClean="0"/>
-              <a:t>15</a:t>
-            </a:fld>
-            <a:endParaRPr lang="en-US"/>
-          </a:p>
-        </p:txBody>
-      </p:sp>
-    </p:spTree>
-    <p:extLst>
-      <p:ext uri="{BB962C8B-B14F-4D97-AF65-F5344CB8AC3E}">
-        <p14:creationId xmlns:p14="http://schemas.microsoft.com/office/powerpoint/2010/main" val="998921295"/>
       </p:ext>
     </p:extLst>
   </p:cSld>
@@ -1661,7 +788,7 @@
           <a:p>
             <a:fld id="{3E3C2F32-47E1-4D90-8C64-89D7BCB0B356}" type="datetimeFigureOut">
               <a:rPr lang="en-US" smtClean="0"/>
-              <a:t>10/18/2018</a:t>
+              <a:t>11/22/2018</a:t>
             </a:fld>
             <a:endParaRPr lang="en-US"/>
           </a:p>
@@ -1859,7 +986,7 @@
           <a:p>
             <a:fld id="{3E3C2F32-47E1-4D90-8C64-89D7BCB0B356}" type="datetimeFigureOut">
               <a:rPr lang="en-US" smtClean="0"/>
-              <a:t>10/18/2018</a:t>
+              <a:t>11/22/2018</a:t>
             </a:fld>
             <a:endParaRPr lang="en-US"/>
           </a:p>
@@ -2067,7 +1194,7 @@
           <a:p>
             <a:fld id="{3E3C2F32-47E1-4D90-8C64-89D7BCB0B356}" type="datetimeFigureOut">
               <a:rPr lang="en-US" smtClean="0"/>
-              <a:t>10/18/2018</a:t>
+              <a:t>11/22/2018</a:t>
             </a:fld>
             <a:endParaRPr lang="en-US"/>
           </a:p>
@@ -2265,7 +1392,7 @@
           <a:p>
             <a:fld id="{3E3C2F32-47E1-4D90-8C64-89D7BCB0B356}" type="datetimeFigureOut">
               <a:rPr lang="en-US" smtClean="0"/>
-              <a:t>10/18/2018</a:t>
+              <a:t>11/22/2018</a:t>
             </a:fld>
             <a:endParaRPr lang="en-US"/>
           </a:p>
@@ -2540,7 +1667,7 @@
           <a:p>
             <a:fld id="{3E3C2F32-47E1-4D90-8C64-89D7BCB0B356}" type="datetimeFigureOut">
               <a:rPr lang="en-US" smtClean="0"/>
-              <a:t>10/18/2018</a:t>
+              <a:t>11/22/2018</a:t>
             </a:fld>
             <a:endParaRPr lang="en-US"/>
           </a:p>
@@ -2805,7 +1932,7 @@
           <a:p>
             <a:fld id="{3E3C2F32-47E1-4D90-8C64-89D7BCB0B356}" type="datetimeFigureOut">
               <a:rPr lang="en-US" smtClean="0"/>
-              <a:t>10/18/2018</a:t>
+              <a:t>11/22/2018</a:t>
             </a:fld>
             <a:endParaRPr lang="en-US"/>
           </a:p>
@@ -3217,7 +2344,7 @@
           <a:p>
             <a:fld id="{3E3C2F32-47E1-4D90-8C64-89D7BCB0B356}" type="datetimeFigureOut">
               <a:rPr lang="en-US" smtClean="0"/>
-              <a:t>10/18/2018</a:t>
+              <a:t>11/22/2018</a:t>
             </a:fld>
             <a:endParaRPr lang="en-US"/>
           </a:p>
@@ -3358,7 +2485,7 @@
           <a:p>
             <a:fld id="{3E3C2F32-47E1-4D90-8C64-89D7BCB0B356}" type="datetimeFigureOut">
               <a:rPr lang="en-US" smtClean="0"/>
-              <a:t>10/18/2018</a:t>
+              <a:t>11/22/2018</a:t>
             </a:fld>
             <a:endParaRPr lang="en-US"/>
           </a:p>
@@ -3471,7 +2598,7 @@
           <a:p>
             <a:fld id="{3E3C2F32-47E1-4D90-8C64-89D7BCB0B356}" type="datetimeFigureOut">
               <a:rPr lang="en-US" smtClean="0"/>
-              <a:t>10/18/2018</a:t>
+              <a:t>11/22/2018</a:t>
             </a:fld>
             <a:endParaRPr lang="en-US"/>
           </a:p>
@@ -3782,7 +2909,7 @@
           <a:p>
             <a:fld id="{3E3C2F32-47E1-4D90-8C64-89D7BCB0B356}" type="datetimeFigureOut">
               <a:rPr lang="en-US" smtClean="0"/>
-              <a:t>10/18/2018</a:t>
+              <a:t>11/22/2018</a:t>
             </a:fld>
             <a:endParaRPr lang="en-US"/>
           </a:p>
@@ -4070,7 +3197,7 @@
           <a:p>
             <a:fld id="{3E3C2F32-47E1-4D90-8C64-89D7BCB0B356}" type="datetimeFigureOut">
               <a:rPr lang="en-US" smtClean="0"/>
-              <a:t>10/18/2018</a:t>
+              <a:t>11/22/2018</a:t>
             </a:fld>
             <a:endParaRPr lang="en-US"/>
           </a:p>
@@ -4311,7 +3438,7 @@
           <a:p>
             <a:fld id="{3E3C2F32-47E1-4D90-8C64-89D7BCB0B356}" type="datetimeFigureOut">
               <a:rPr lang="en-US" smtClean="0"/>
-              <a:t>10/18/2018</a:t>
+              <a:t>11/22/2018</a:t>
             </a:fld>
             <a:endParaRPr lang="en-US"/>
           </a:p>
@@ -4797,1180 +3924,6 @@
 </p:sld>
 </file>
 
-<file path=ppt/slides/slide10.xml><?xml version="1.0" encoding="utf-8"?>
-<p:sld xmlns:a="http://schemas.openxmlformats.org/drawingml/2006/main" xmlns:r="http://schemas.openxmlformats.org/officeDocument/2006/relationships" xmlns:p="http://schemas.openxmlformats.org/presentationml/2006/main">
-  <p:cSld>
-    <p:spTree>
-      <p:nvGrpSpPr>
-        <p:cNvPr id="1" name=""/>
-        <p:cNvGrpSpPr/>
-        <p:nvPr/>
-      </p:nvGrpSpPr>
-      <p:grpSpPr>
-        <a:xfrm>
-          <a:off x="0" y="0"/>
-          <a:ext cx="0" cy="0"/>
-          <a:chOff x="0" y="0"/>
-          <a:chExt cx="0" cy="0"/>
-        </a:xfrm>
-      </p:grpSpPr>
-      <p:sp>
-        <p:nvSpPr>
-          <p:cNvPr id="2" name="Title 1">
-            <a:extLst>
-              <a:ext uri="{FF2B5EF4-FFF2-40B4-BE49-F238E27FC236}">
-                <a16:creationId xmlns:a16="http://schemas.microsoft.com/office/drawing/2014/main" id="{9103BE6A-C3F7-45A9-AAB2-2D815440BC0A}"/>
-              </a:ext>
-            </a:extLst>
-          </p:cNvPr>
-          <p:cNvSpPr>
-            <a:spLocks noGrp="1"/>
-          </p:cNvSpPr>
-          <p:nvPr>
-            <p:ph type="title"/>
-          </p:nvPr>
-        </p:nvSpPr>
-        <p:spPr/>
-        <p:txBody>
-          <a:bodyPr/>
-          <a:lstStyle/>
-          <a:p>
-            <a:r>
-              <a:rPr lang="en-US" dirty="0"/>
-              <a:t>Log Analytics Dashboard Challenge</a:t>
-            </a:r>
-          </a:p>
-        </p:txBody>
-      </p:sp>
-      <p:sp>
-        <p:nvSpPr>
-          <p:cNvPr id="3" name="Content Placeholder 2">
-            <a:extLst>
-              <a:ext uri="{FF2B5EF4-FFF2-40B4-BE49-F238E27FC236}">
-                <a16:creationId xmlns:a16="http://schemas.microsoft.com/office/drawing/2014/main" id="{83B3D083-6DDC-4DF6-842F-2957BF37C439}"/>
-              </a:ext>
-            </a:extLst>
-          </p:cNvPr>
-          <p:cNvSpPr>
-            <a:spLocks noGrp="1"/>
-          </p:cNvSpPr>
-          <p:nvPr>
-            <p:ph idx="1"/>
-          </p:nvPr>
-        </p:nvSpPr>
-        <p:spPr/>
-        <p:txBody>
-          <a:bodyPr>
-            <a:normAutofit fontScale="92500" lnSpcReduction="20000"/>
-          </a:bodyPr>
-          <a:lstStyle/>
-          <a:p>
-            <a:r>
-              <a:rPr lang="en-US" dirty="0"/>
-              <a:t>Write Custom Performance queries for Web and SQL Servers and save to favorites</a:t>
-            </a:r>
-          </a:p>
-          <a:p>
-            <a:pPr lvl="1"/>
-            <a:r>
-              <a:rPr lang="en-US" dirty="0"/>
-              <a:t>Processor Utilization: Processor / % Processor Time</a:t>
-            </a:r>
-          </a:p>
-          <a:p>
-            <a:pPr lvl="1"/>
-            <a:r>
-              <a:rPr lang="en-US" dirty="0"/>
-              <a:t>Memory Utilization: Memory / % Committed Bytes In Use</a:t>
-            </a:r>
-          </a:p>
-          <a:p>
-            <a:pPr lvl="1"/>
-            <a:r>
-              <a:rPr lang="en-US" dirty="0"/>
-              <a:t>Disk Utilization (IO): Disk Reads/sec and Disk Writes/sec</a:t>
-            </a:r>
-          </a:p>
-          <a:p>
-            <a:r>
-              <a:rPr lang="en-US" dirty="0"/>
-              <a:t>Render the queries in a </a:t>
-            </a:r>
-            <a:r>
-              <a:rPr lang="en-US" dirty="0" err="1"/>
-              <a:t>timechart</a:t>
-            </a:r>
-            <a:r>
-              <a:rPr lang="en-US" dirty="0"/>
-              <a:t> for the last 4 hours and save to favorites</a:t>
-            </a:r>
-          </a:p>
-          <a:p>
-            <a:r>
-              <a:rPr lang="en-US" dirty="0"/>
-              <a:t>Create a heartbeat query for Web and SQL Server</a:t>
-            </a:r>
-          </a:p>
-          <a:p>
-            <a:r>
-              <a:rPr lang="en-US" dirty="0"/>
-              <a:t>Create a Log Analytics Solution </a:t>
-            </a:r>
-          </a:p>
-          <a:p>
-            <a:pPr lvl="1"/>
-            <a:r>
-              <a:rPr lang="en-US" dirty="0"/>
-              <a:t>Use your heartbeat query for the Overview tile</a:t>
-            </a:r>
-          </a:p>
-          <a:p>
-            <a:pPr lvl="1"/>
-            <a:r>
-              <a:rPr lang="en-US" dirty="0"/>
-              <a:t>Use your performance queries to create a line chart &amp; list for Processor, Memory and Disk (Reads &amp; Writes).</a:t>
-            </a:r>
-          </a:p>
-          <a:p>
-            <a:r>
-              <a:rPr lang="en-US" dirty="0"/>
-              <a:t>First Team to email me a screenshot with your Solution wins the challenge.  Good luck!</a:t>
-            </a:r>
-          </a:p>
-          <a:p>
-            <a:pPr lvl="1"/>
-            <a:endParaRPr lang="en-US" dirty="0"/>
-          </a:p>
-          <a:p>
-            <a:pPr lvl="1"/>
-            <a:endParaRPr lang="en-US" dirty="0"/>
-          </a:p>
-          <a:p>
-            <a:endParaRPr lang="en-US" dirty="0"/>
-          </a:p>
-        </p:txBody>
-      </p:sp>
-    </p:spTree>
-    <p:extLst>
-      <p:ext uri="{BB962C8B-B14F-4D97-AF65-F5344CB8AC3E}">
-        <p14:creationId xmlns:p14="http://schemas.microsoft.com/office/powerpoint/2010/main" val="340413092"/>
-      </p:ext>
-    </p:extLst>
-  </p:cSld>
-  <p:clrMapOvr>
-    <a:masterClrMapping/>
-  </p:clrMapOvr>
-</p:sld>
-</file>
-
-<file path=ppt/slides/slide11.xml><?xml version="1.0" encoding="utf-8"?>
-<p:sld xmlns:a="http://schemas.openxmlformats.org/drawingml/2006/main" xmlns:r="http://schemas.openxmlformats.org/officeDocument/2006/relationships" xmlns:p="http://schemas.openxmlformats.org/presentationml/2006/main">
-  <p:cSld>
-    <p:spTree>
-      <p:nvGrpSpPr>
-        <p:cNvPr id="1" name=""/>
-        <p:cNvGrpSpPr/>
-        <p:nvPr/>
-      </p:nvGrpSpPr>
-      <p:grpSpPr>
-        <a:xfrm>
-          <a:off x="0" y="0"/>
-          <a:ext cx="0" cy="0"/>
-          <a:chOff x="0" y="0"/>
-          <a:chExt cx="0" cy="0"/>
-        </a:xfrm>
-      </p:grpSpPr>
-      <p:sp>
-        <p:nvSpPr>
-          <p:cNvPr id="2" name="Title 1">
-            <a:extLst>
-              <a:ext uri="{FF2B5EF4-FFF2-40B4-BE49-F238E27FC236}">
-                <a16:creationId xmlns:a16="http://schemas.microsoft.com/office/drawing/2014/main" id="{DF07F779-9493-43B4-B2B0-F6812A193792}"/>
-              </a:ext>
-            </a:extLst>
-          </p:cNvPr>
-          <p:cNvSpPr>
-            <a:spLocks noGrp="1"/>
-          </p:cNvSpPr>
-          <p:nvPr>
-            <p:ph type="title"/>
-          </p:nvPr>
-        </p:nvSpPr>
-        <p:spPr/>
-        <p:txBody>
-          <a:bodyPr/>
-          <a:lstStyle/>
-          <a:p>
-            <a:r>
-              <a:rPr lang="en-US" dirty="0"/>
-              <a:t>Application Insights Challenges</a:t>
-            </a:r>
-          </a:p>
-        </p:txBody>
-      </p:sp>
-      <p:sp>
-        <p:nvSpPr>
-          <p:cNvPr id="3" name="Content Placeholder 2">
-            <a:extLst>
-              <a:ext uri="{FF2B5EF4-FFF2-40B4-BE49-F238E27FC236}">
-                <a16:creationId xmlns:a16="http://schemas.microsoft.com/office/drawing/2014/main" id="{1E78601A-55E5-4C27-BA46-67A384908580}"/>
-              </a:ext>
-            </a:extLst>
-          </p:cNvPr>
-          <p:cNvSpPr>
-            <a:spLocks noGrp="1"/>
-          </p:cNvSpPr>
-          <p:nvPr>
-            <p:ph idx="1"/>
-          </p:nvPr>
-        </p:nvSpPr>
-        <p:spPr/>
-        <p:txBody>
-          <a:bodyPr>
-            <a:normAutofit fontScale="85000" lnSpcReduction="20000"/>
-          </a:bodyPr>
-          <a:lstStyle/>
-          <a:p>
-            <a:r>
-              <a:rPr lang="en-US" dirty="0"/>
-              <a:t>Create an Application Insights Workspace</a:t>
-            </a:r>
-          </a:p>
-          <a:p>
-            <a:r>
-              <a:rPr lang="en-US" dirty="0"/>
-              <a:t>In Visual Studio, Install the Application Insights SDK in the </a:t>
-            </a:r>
-            <a:r>
-              <a:rPr lang="en-US" dirty="0" err="1"/>
-              <a:t>eShopOnWeb</a:t>
-            </a:r>
-            <a:r>
-              <a:rPr lang="en-US" dirty="0"/>
-              <a:t> Web Project in the Solution</a:t>
-            </a:r>
-          </a:p>
-          <a:p>
-            <a:pPr lvl="1"/>
-            <a:r>
-              <a:rPr lang="en-US" dirty="0"/>
-              <a:t>Run the </a:t>
-            </a:r>
-            <a:r>
-              <a:rPr lang="en-US" dirty="0" err="1"/>
-              <a:t>eShopOnWeb</a:t>
-            </a:r>
-            <a:r>
-              <a:rPr lang="en-US" dirty="0"/>
-              <a:t>  Web project and check out the App Insights tooling</a:t>
-            </a:r>
-          </a:p>
-          <a:p>
-            <a:pPr lvl="1"/>
-            <a:r>
-              <a:rPr lang="en-US" dirty="0"/>
-              <a:t>Publish </a:t>
-            </a:r>
-            <a:r>
-              <a:rPr lang="en-US" dirty="0" err="1"/>
-              <a:t>eShopOnWeb</a:t>
-            </a:r>
-            <a:r>
-              <a:rPr lang="en-US" dirty="0"/>
-              <a:t>  Web project to both Web Servers in the </a:t>
-            </a:r>
-            <a:r>
-              <a:rPr lang="en-US" dirty="0" err="1"/>
-              <a:t>scaleset</a:t>
-            </a:r>
-            <a:endParaRPr lang="en-US" dirty="0"/>
-          </a:p>
-          <a:p>
-            <a:r>
-              <a:rPr lang="en-US" dirty="0"/>
-              <a:t>Create a URL Ping test targeting the </a:t>
-            </a:r>
-            <a:r>
-              <a:rPr lang="en-US" dirty="0" err="1"/>
-              <a:t>eShopOnWeb</a:t>
-            </a:r>
-            <a:r>
-              <a:rPr lang="en-US" dirty="0"/>
-              <a:t> URL to Monitor Availability</a:t>
-            </a:r>
-          </a:p>
-          <a:p>
-            <a:pPr lvl="1"/>
-            <a:r>
-              <a:rPr lang="en-US" dirty="0"/>
-              <a:t>Generate some load and check out the results</a:t>
-            </a:r>
-          </a:p>
-          <a:p>
-            <a:r>
-              <a:rPr lang="en-US" dirty="0"/>
-              <a:t>Create an </a:t>
-            </a:r>
-            <a:r>
-              <a:rPr lang="en-US" dirty="0" err="1"/>
-              <a:t>autoscale</a:t>
-            </a:r>
-            <a:r>
-              <a:rPr lang="en-US" dirty="0"/>
-              <a:t> rule on your </a:t>
-            </a:r>
-            <a:r>
-              <a:rPr lang="en-US" dirty="0" err="1"/>
-              <a:t>scaleset</a:t>
-            </a:r>
-            <a:r>
-              <a:rPr lang="en-US" dirty="0"/>
-              <a:t> based on the session count metric</a:t>
-            </a:r>
-          </a:p>
-          <a:p>
-            <a:r>
-              <a:rPr lang="en-US" dirty="0"/>
-              <a:t>Trip the exception that has been added and setup an alert for it.</a:t>
-            </a:r>
-          </a:p>
-          <a:p>
-            <a:pPr lvl="1"/>
-            <a:r>
-              <a:rPr lang="en-US" dirty="0"/>
-              <a:t>Find the exception in App Insights</a:t>
-            </a:r>
-          </a:p>
-          <a:p>
-            <a:r>
-              <a:rPr lang="en-US" dirty="0"/>
-              <a:t> Create Alerts based on Availability and exceptions</a:t>
-            </a:r>
-          </a:p>
-          <a:p>
-            <a:r>
-              <a:rPr lang="en-US" dirty="0"/>
-              <a:t>First Team to email me an alert of the exception and a screenshot with your </a:t>
-            </a:r>
-            <a:r>
-              <a:rPr lang="en-US" dirty="0" err="1"/>
-              <a:t>scaleset</a:t>
-            </a:r>
-            <a:r>
-              <a:rPr lang="en-US" dirty="0"/>
-              <a:t> </a:t>
-            </a:r>
-            <a:r>
-              <a:rPr lang="en-US" dirty="0" err="1"/>
-              <a:t>scaleout</a:t>
-            </a:r>
-            <a:r>
-              <a:rPr lang="en-US" dirty="0"/>
-              <a:t> based on the App Insights metric wins the challenge.  Good luck</a:t>
-            </a:r>
-          </a:p>
-          <a:p>
-            <a:endParaRPr lang="en-US" dirty="0"/>
-          </a:p>
-          <a:p>
-            <a:endParaRPr lang="en-US" dirty="0"/>
-          </a:p>
-        </p:txBody>
-      </p:sp>
-    </p:spTree>
-    <p:extLst>
-      <p:ext uri="{BB962C8B-B14F-4D97-AF65-F5344CB8AC3E}">
-        <p14:creationId xmlns:p14="http://schemas.microsoft.com/office/powerpoint/2010/main" val="3119135505"/>
-      </p:ext>
-    </p:extLst>
-  </p:cSld>
-  <p:clrMapOvr>
-    <a:masterClrMapping/>
-  </p:clrMapOvr>
-</p:sld>
-</file>
-
-<file path=ppt/slides/slide12.xml><?xml version="1.0" encoding="utf-8"?>
-<p:sld xmlns:a="http://schemas.openxmlformats.org/drawingml/2006/main" xmlns:r="http://schemas.openxmlformats.org/officeDocument/2006/relationships" xmlns:p="http://schemas.openxmlformats.org/presentationml/2006/main">
-  <p:cSld>
-    <p:spTree>
-      <p:nvGrpSpPr>
-        <p:cNvPr id="1" name=""/>
-        <p:cNvGrpSpPr/>
-        <p:nvPr/>
-      </p:nvGrpSpPr>
-      <p:grpSpPr>
-        <a:xfrm>
-          <a:off x="0" y="0"/>
-          <a:ext cx="0" cy="0"/>
-          <a:chOff x="0" y="0"/>
-          <a:chExt cx="0" cy="0"/>
-        </a:xfrm>
-      </p:grpSpPr>
-      <p:sp>
-        <p:nvSpPr>
-          <p:cNvPr id="4" name="Title 3">
-            <a:extLst>
-              <a:ext uri="{FF2B5EF4-FFF2-40B4-BE49-F238E27FC236}">
-                <a16:creationId xmlns:a16="http://schemas.microsoft.com/office/drawing/2014/main" id="{CD138661-B7C5-4927-843B-13B9D076E75A}"/>
-              </a:ext>
-            </a:extLst>
-          </p:cNvPr>
-          <p:cNvSpPr>
-            <a:spLocks noGrp="1"/>
-          </p:cNvSpPr>
-          <p:nvPr>
-            <p:ph type="title"/>
-          </p:nvPr>
-        </p:nvSpPr>
-        <p:spPr/>
-        <p:txBody>
-          <a:bodyPr/>
-          <a:lstStyle/>
-          <a:p>
-            <a:r>
-              <a:rPr lang="en-US" dirty="0"/>
-              <a:t>Reference  </a:t>
-            </a:r>
-          </a:p>
-        </p:txBody>
-      </p:sp>
-      <p:sp>
-        <p:nvSpPr>
-          <p:cNvPr id="5" name="Text Placeholder 4">
-            <a:extLst>
-              <a:ext uri="{FF2B5EF4-FFF2-40B4-BE49-F238E27FC236}">
-                <a16:creationId xmlns:a16="http://schemas.microsoft.com/office/drawing/2014/main" id="{B3E993D0-F947-4952-8D6A-754E76C7C98F}"/>
-              </a:ext>
-            </a:extLst>
-          </p:cNvPr>
-          <p:cNvSpPr>
-            <a:spLocks noGrp="1"/>
-          </p:cNvSpPr>
-          <p:nvPr>
-            <p:ph type="body" idx="1"/>
-          </p:nvPr>
-        </p:nvSpPr>
-        <p:spPr/>
-        <p:txBody>
-          <a:bodyPr/>
-          <a:lstStyle/>
-          <a:p>
-            <a:endParaRPr lang="en-US" dirty="0"/>
-          </a:p>
-        </p:txBody>
-      </p:sp>
-    </p:spTree>
-    <p:extLst>
-      <p:ext uri="{BB962C8B-B14F-4D97-AF65-F5344CB8AC3E}">
-        <p14:creationId xmlns:p14="http://schemas.microsoft.com/office/powerpoint/2010/main" val="1924108191"/>
-      </p:ext>
-    </p:extLst>
-  </p:cSld>
-  <p:clrMapOvr>
-    <a:masterClrMapping/>
-  </p:clrMapOvr>
-</p:sld>
-</file>
-
-<file path=ppt/slides/slide13.xml><?xml version="1.0" encoding="utf-8"?>
-<p:sld xmlns:a="http://schemas.openxmlformats.org/drawingml/2006/main" xmlns:r="http://schemas.openxmlformats.org/officeDocument/2006/relationships" xmlns:p="http://schemas.openxmlformats.org/presentationml/2006/main">
-  <p:cSld>
-    <p:bg>
-      <p:bgPr>
-        <a:solidFill>
-          <a:schemeClr val="bg1"/>
-        </a:solidFill>
-        <a:effectLst/>
-      </p:bgPr>
-    </p:bg>
-    <p:spTree>
-      <p:nvGrpSpPr>
-        <p:cNvPr id="1" name=""/>
-        <p:cNvGrpSpPr/>
-        <p:nvPr/>
-      </p:nvGrpSpPr>
-      <p:grpSpPr>
-        <a:xfrm>
-          <a:off x="0" y="0"/>
-          <a:ext cx="0" cy="0"/>
-          <a:chOff x="0" y="0"/>
-          <a:chExt cx="0" cy="0"/>
-        </a:xfrm>
-      </p:grpSpPr>
-      <p:cxnSp>
-        <p:nvCxnSpPr>
-          <p:cNvPr id="10" name="Straight Connector 9">
-            <a:extLst>
-              <a:ext uri="{FF2B5EF4-FFF2-40B4-BE49-F238E27FC236}">
-                <a16:creationId xmlns:a16="http://schemas.microsoft.com/office/drawing/2014/main" id="{DB146403-F3D6-484B-B2ED-97F9565D0370}"/>
-              </a:ext>
-              <a:ext uri="{C183D7F6-B498-43B3-948B-1728B52AA6E4}">
-                <adec:decorative xmlns:adec="http://schemas.microsoft.com/office/drawing/2017/decorative" val="1"/>
-              </a:ext>
-            </a:extLst>
-          </p:cNvPr>
-          <p:cNvCxnSpPr>
-            <a:cxnSpLocks noGrp="1" noRot="1" noChangeAspect="1" noMove="1" noResize="1" noEditPoints="1" noAdjustHandles="1" noChangeArrowheads="1" noChangeShapeType="1"/>
-          </p:cNvCxnSpPr>
-          <p:nvPr>
-            <p:extLst>
-              <p:ext uri="{386F3935-93C4-4BCD-93E2-E3B085C9AB24}">
-                <p16:designElem xmlns:p16="http://schemas.microsoft.com/office/powerpoint/2015/main" val="1"/>
-              </p:ext>
-            </p:extLst>
-          </p:nvPr>
-        </p:nvCxnSpPr>
-        <p:spPr>
-          <a:xfrm>
-            <a:off x="6096000" y="477749"/>
-            <a:ext cx="0" cy="3657600"/>
-          </a:xfrm>
-          <a:prstGeom prst="line">
-            <a:avLst/>
-          </a:prstGeom>
-          <a:ln w="101600" cmpd="dbl">
-            <a:solidFill>
-              <a:srgbClr val="595959"/>
-            </a:solidFill>
-          </a:ln>
-        </p:spPr>
-        <p:style>
-          <a:lnRef idx="1">
-            <a:schemeClr val="accent1"/>
-          </a:lnRef>
-          <a:fillRef idx="0">
-            <a:schemeClr val="accent1"/>
-          </a:fillRef>
-          <a:effectRef idx="0">
-            <a:schemeClr val="accent1"/>
-          </a:effectRef>
-          <a:fontRef idx="minor">
-            <a:schemeClr val="tx1"/>
-          </a:fontRef>
-        </p:style>
-      </p:cxnSp>
-      <p:sp>
-        <p:nvSpPr>
-          <p:cNvPr id="12" name="Rectangle 11">
-            <a:extLst>
-              <a:ext uri="{FF2B5EF4-FFF2-40B4-BE49-F238E27FC236}">
-                <a16:creationId xmlns:a16="http://schemas.microsoft.com/office/drawing/2014/main" id="{823AC064-BC96-4F32-8AE1-B2FD38754823}"/>
-              </a:ext>
-              <a:ext uri="{C183D7F6-B498-43B3-948B-1728B52AA6E4}">
-                <adec:decorative xmlns:adec="http://schemas.microsoft.com/office/drawing/2017/decorative" val="1"/>
-              </a:ext>
-            </a:extLst>
-          </p:cNvPr>
-          <p:cNvSpPr>
-            <a:spLocks noGrp="1" noRot="1" noChangeAspect="1" noMove="1" noResize="1" noEditPoints="1" noAdjustHandles="1" noChangeArrowheads="1" noChangeShapeType="1" noTextEdit="1"/>
-          </p:cNvSpPr>
-          <p:nvPr>
-            <p:extLst>
-              <p:ext uri="{386F3935-93C4-4BCD-93E2-E3B085C9AB24}">
-                <p16:designElem xmlns:p16="http://schemas.microsoft.com/office/powerpoint/2015/main" val="1"/>
-              </p:ext>
-            </p:extLst>
-          </p:nvPr>
-        </p:nvSpPr>
-        <p:spPr bwMode="ltGray">
-          <a:xfrm>
-            <a:off x="378068" y="4633546"/>
-            <a:ext cx="11438793" cy="1844256"/>
-          </a:xfrm>
-          <a:prstGeom prst="rect">
-            <a:avLst/>
-          </a:prstGeom>
-          <a:solidFill>
-            <a:srgbClr val="404040"/>
-          </a:solidFill>
-          <a:ln w="127000" cap="sq" cmpd="thinThick">
-            <a:solidFill>
-              <a:srgbClr val="404040"/>
-            </a:solidFill>
-          </a:ln>
-        </p:spPr>
-        <p:style>
-          <a:lnRef idx="2">
-            <a:schemeClr val="accent1">
-              <a:shade val="50000"/>
-            </a:schemeClr>
-          </a:lnRef>
-          <a:fillRef idx="1">
-            <a:schemeClr val="accent1"/>
-          </a:fillRef>
-          <a:effectRef idx="0">
-            <a:schemeClr val="accent1"/>
-          </a:effectRef>
-          <a:fontRef idx="minor">
-            <a:schemeClr val="lt1"/>
-          </a:fontRef>
-        </p:style>
-        <p:txBody>
-          <a:bodyPr rtlCol="0" anchor="ctr"/>
-          <a:lstStyle/>
-          <a:p>
-            <a:pPr marL="0" marR="0" lvl="0" indent="0" algn="ctr" defTabSz="914400" rtl="0" eaLnBrk="1" fontAlgn="auto" latinLnBrk="0" hangingPunct="1">
-              <a:lnSpc>
-                <a:spcPct val="100000"/>
-              </a:lnSpc>
-              <a:spcBef>
-                <a:spcPts val="0"/>
-              </a:spcBef>
-              <a:spcAft>
-                <a:spcPts val="0"/>
-              </a:spcAft>
-              <a:buClrTx/>
-              <a:buSzTx/>
-              <a:buFontTx/>
-              <a:buNone/>
-              <a:tabLst/>
-              <a:defRPr/>
-            </a:pPr>
-            <a:endParaRPr kumimoji="0" lang="en-US" sz="1800" b="0" i="0" u="none" strike="noStrike" kern="1200" cap="none" spc="0" normalizeH="0" baseline="0" noProof="0">
-              <a:ln>
-                <a:noFill/>
-              </a:ln>
-              <a:solidFill>
-                <a:prstClr val="white"/>
-              </a:solidFill>
-              <a:effectLst/>
-              <a:uLnTx/>
-              <a:uFillTx/>
-              <a:latin typeface="Calibri" panose="020F0502020204030204"/>
-              <a:ea typeface="+mn-ea"/>
-              <a:cs typeface="+mn-cs"/>
-            </a:endParaRPr>
-          </a:p>
-        </p:txBody>
-      </p:sp>
-      <p:pic>
-        <p:nvPicPr>
-          <p:cNvPr id="4" name="Content Placeholder 3">
-            <a:extLst>
-              <a:ext uri="{FF2B5EF4-FFF2-40B4-BE49-F238E27FC236}">
-                <a16:creationId xmlns:a16="http://schemas.microsoft.com/office/drawing/2014/main" id="{F17A5365-D706-4E3F-BB37-3E1B4B464635}"/>
-              </a:ext>
-            </a:extLst>
-          </p:cNvPr>
-          <p:cNvPicPr>
-            <a:picLocks noGrp="1" noChangeAspect="1"/>
-          </p:cNvPicPr>
-          <p:nvPr>
-            <p:ph idx="1"/>
-          </p:nvPr>
-        </p:nvPicPr>
-        <p:blipFill>
-          <a:blip r:embed="rId2"/>
-          <a:stretch>
-            <a:fillRect/>
-          </a:stretch>
-        </p:blipFill>
-        <p:spPr>
-          <a:xfrm>
-            <a:off x="2021252" y="152593"/>
-            <a:ext cx="7746525" cy="4667280"/>
-          </a:xfrm>
-          <a:prstGeom prst="rect">
-            <a:avLst/>
-          </a:prstGeom>
-        </p:spPr>
-      </p:pic>
-      <p:cxnSp>
-        <p:nvCxnSpPr>
-          <p:cNvPr id="14" name="Straight Connector 13">
-            <a:extLst>
-              <a:ext uri="{FF2B5EF4-FFF2-40B4-BE49-F238E27FC236}">
-                <a16:creationId xmlns:a16="http://schemas.microsoft.com/office/drawing/2014/main" id="{7E7C77BC-7138-40B1-A15B-20F57A494629}"/>
-              </a:ext>
-              <a:ext uri="{C183D7F6-B498-43B3-948B-1728B52AA6E4}">
-                <adec:decorative xmlns:adec="http://schemas.microsoft.com/office/drawing/2017/decorative" val="1"/>
-              </a:ext>
-            </a:extLst>
-          </p:cNvPr>
-          <p:cNvCxnSpPr>
-            <a:cxnSpLocks noGrp="1" noRot="1" noChangeAspect="1" noMove="1" noResize="1" noEditPoints="1" noAdjustHandles="1" noChangeArrowheads="1" noChangeShapeType="1"/>
-          </p:cNvCxnSpPr>
-          <p:nvPr>
-            <p:extLst>
-              <p:ext uri="{386F3935-93C4-4BCD-93E2-E3B085C9AB24}">
-                <p16:designElem xmlns:p16="http://schemas.microsoft.com/office/powerpoint/2015/main" val="1"/>
-              </p:ext>
-            </p:extLst>
-          </p:nvPr>
-        </p:nvCxnSpPr>
-        <p:spPr>
-          <a:xfrm>
-            <a:off x="2209800" y="5738691"/>
-            <a:ext cx="7772400" cy="0"/>
-          </a:xfrm>
-          <a:prstGeom prst="line">
-            <a:avLst/>
-          </a:prstGeom>
-          <a:ln w="22225">
-            <a:solidFill>
-              <a:srgbClr val="D9D9D9"/>
-            </a:solidFill>
-          </a:ln>
-        </p:spPr>
-        <p:style>
-          <a:lnRef idx="1">
-            <a:schemeClr val="accent1"/>
-          </a:lnRef>
-          <a:fillRef idx="0">
-            <a:schemeClr val="accent1"/>
-          </a:fillRef>
-          <a:effectRef idx="0">
-            <a:schemeClr val="accent1"/>
-          </a:effectRef>
-          <a:fontRef idx="minor">
-            <a:schemeClr val="tx1"/>
-          </a:fontRef>
-        </p:style>
-      </p:cxnSp>
-      <p:sp>
-        <p:nvSpPr>
-          <p:cNvPr id="2" name="Title 1">
-            <a:extLst>
-              <a:ext uri="{FF2B5EF4-FFF2-40B4-BE49-F238E27FC236}">
-                <a16:creationId xmlns:a16="http://schemas.microsoft.com/office/drawing/2014/main" id="{14170313-D207-4655-8299-7FF29B5D140B}"/>
-              </a:ext>
-            </a:extLst>
-          </p:cNvPr>
-          <p:cNvSpPr>
-            <a:spLocks noGrp="1"/>
-          </p:cNvSpPr>
-          <p:nvPr>
-            <p:ph type="title"/>
-          </p:nvPr>
-        </p:nvSpPr>
-        <p:spPr>
-          <a:xfrm>
-            <a:off x="527538" y="4756638"/>
-            <a:ext cx="11139854" cy="930447"/>
-          </a:xfrm>
-        </p:spPr>
-        <p:txBody>
-          <a:bodyPr vert="horz" lIns="91440" tIns="45720" rIns="91440" bIns="45720" rtlCol="0" anchor="b">
-            <a:normAutofit/>
-          </a:bodyPr>
-          <a:lstStyle/>
-          <a:p>
-            <a:pPr algn="ctr"/>
-            <a:r>
-              <a:rPr lang="en-US" sz="5400">
-                <a:solidFill>
-                  <a:srgbClr val="FFFFFF"/>
-                </a:solidFill>
-              </a:rPr>
-              <a:t>Should look like this </a:t>
-            </a:r>
-            <a:r>
-              <a:rPr lang="en-US" sz="5400">
-                <a:solidFill>
-                  <a:srgbClr val="FFFFFF"/>
-                </a:solidFill>
-                <a:sym typeface="Wingdings" panose="05000000000000000000" pitchFamily="2" charset="2"/>
-              </a:rPr>
-              <a:t></a:t>
-            </a:r>
-            <a:endParaRPr lang="en-US" sz="5400">
-              <a:solidFill>
-                <a:srgbClr val="FFFFFF"/>
-              </a:solidFill>
-            </a:endParaRPr>
-          </a:p>
-        </p:txBody>
-      </p:sp>
-    </p:spTree>
-    <p:extLst>
-      <p:ext uri="{BB962C8B-B14F-4D97-AF65-F5344CB8AC3E}">
-        <p14:creationId xmlns:p14="http://schemas.microsoft.com/office/powerpoint/2010/main" val="1111879527"/>
-      </p:ext>
-    </p:extLst>
-  </p:cSld>
-  <p:clrMapOvr>
-    <a:masterClrMapping/>
-  </p:clrMapOvr>
-</p:sld>
-</file>
-
-<file path=ppt/slides/slide14.xml><?xml version="1.0" encoding="utf-8"?>
-<p:sld xmlns:a="http://schemas.openxmlformats.org/drawingml/2006/main" xmlns:r="http://schemas.openxmlformats.org/officeDocument/2006/relationships" xmlns:p="http://schemas.openxmlformats.org/presentationml/2006/main">
-  <p:cSld>
-    <p:bg>
-      <p:bgPr>
-        <a:solidFill>
-          <a:schemeClr val="bg1"/>
-        </a:solidFill>
-        <a:effectLst/>
-      </p:bgPr>
-    </p:bg>
-    <p:spTree>
-      <p:nvGrpSpPr>
-        <p:cNvPr id="1" name=""/>
-        <p:cNvGrpSpPr/>
-        <p:nvPr/>
-      </p:nvGrpSpPr>
-      <p:grpSpPr>
-        <a:xfrm>
-          <a:off x="0" y="0"/>
-          <a:ext cx="0" cy="0"/>
-          <a:chOff x="0" y="0"/>
-          <a:chExt cx="0" cy="0"/>
-        </a:xfrm>
-      </p:grpSpPr>
-      <p:sp>
-        <p:nvSpPr>
-          <p:cNvPr id="2" name="Title 1">
-            <a:extLst>
-              <a:ext uri="{FF2B5EF4-FFF2-40B4-BE49-F238E27FC236}">
-                <a16:creationId xmlns:a16="http://schemas.microsoft.com/office/drawing/2014/main" id="{E7D6836F-7A35-4139-9507-ABBDE3B5BCEB}"/>
-              </a:ext>
-            </a:extLst>
-          </p:cNvPr>
-          <p:cNvSpPr>
-            <a:spLocks noGrp="1"/>
-          </p:cNvSpPr>
-          <p:nvPr>
-            <p:ph type="title"/>
-          </p:nvPr>
-        </p:nvSpPr>
-        <p:spPr>
-          <a:xfrm>
-            <a:off x="838200" y="365125"/>
-            <a:ext cx="10515600" cy="1325563"/>
-          </a:xfrm>
-        </p:spPr>
-        <p:txBody>
-          <a:bodyPr>
-            <a:normAutofit/>
-          </a:bodyPr>
-          <a:lstStyle/>
-          <a:p>
-            <a:r>
-              <a:rPr lang="en-US" dirty="0"/>
-              <a:t>Application Insights – Additional Setup</a:t>
-            </a:r>
-          </a:p>
-        </p:txBody>
-      </p:sp>
-      <p:sp>
-        <p:nvSpPr>
-          <p:cNvPr id="3" name="Content Placeholder 2">
-            <a:extLst>
-              <a:ext uri="{FF2B5EF4-FFF2-40B4-BE49-F238E27FC236}">
-                <a16:creationId xmlns:a16="http://schemas.microsoft.com/office/drawing/2014/main" id="{FE3E7BEA-002A-4F53-9311-56D273224274}"/>
-              </a:ext>
-            </a:extLst>
-          </p:cNvPr>
-          <p:cNvSpPr>
-            <a:spLocks noGrp="1"/>
-          </p:cNvSpPr>
-          <p:nvPr>
-            <p:ph idx="1"/>
-          </p:nvPr>
-        </p:nvSpPr>
-        <p:spPr>
-          <a:xfrm>
-            <a:off x="838200" y="1825625"/>
-            <a:ext cx="5192486" cy="4351338"/>
-          </a:xfrm>
-        </p:spPr>
-        <p:txBody>
-          <a:bodyPr>
-            <a:normAutofit/>
-          </a:bodyPr>
-          <a:lstStyle/>
-          <a:p>
-            <a:pPr marL="0" indent="0">
-              <a:buNone/>
-            </a:pPr>
-            <a:r>
-              <a:rPr lang="en-US" sz="1900" dirty="0"/>
-              <a:t>On both IIS Servers (Web0 and Web1)</a:t>
-            </a:r>
-          </a:p>
-          <a:p>
-            <a:pPr marL="0" indent="0">
-              <a:buNone/>
-            </a:pPr>
-            <a:r>
-              <a:rPr lang="en-US" sz="2000"/>
-              <a:t>.</a:t>
-            </a:r>
-            <a:r>
-              <a:rPr lang="en-US" sz="2000" dirty="0"/>
-              <a:t>NET Core Windows Server Hosting bundle</a:t>
-            </a:r>
-            <a:br>
-              <a:rPr lang="en-US" sz="2000" dirty="0"/>
-            </a:br>
-            <a:r>
-              <a:rPr lang="en-US" sz="2000" dirty="0">
-                <a:hlinkClick r:id="rId3"/>
-              </a:rPr>
-              <a:t>https://www.microsoft.com/net/download/thank-you/dotnet-runtime-2.1.0-windows-hosting-bundle-installer</a:t>
-            </a:r>
-            <a:r>
-              <a:rPr lang="en-US" sz="2000" dirty="0"/>
-              <a:t> </a:t>
-            </a:r>
-          </a:p>
-          <a:p>
-            <a:pPr marL="0" indent="0">
-              <a:buNone/>
-            </a:pPr>
-            <a:r>
-              <a:rPr lang="en-US" sz="1900" dirty="0"/>
-              <a:t>Install Web deploy with the Complete Setup </a:t>
-            </a:r>
-            <a:r>
-              <a:rPr lang="en-US" sz="1900" dirty="0">
-                <a:sym typeface="Wingdings" panose="05000000000000000000" pitchFamily="2" charset="2"/>
-              </a:rPr>
-              <a:t></a:t>
-            </a:r>
-            <a:endParaRPr lang="en-US" sz="1900" dirty="0"/>
-          </a:p>
-          <a:p>
-            <a:pPr marL="0" indent="0">
-              <a:buNone/>
-            </a:pPr>
-            <a:r>
-              <a:rPr lang="en-US" sz="1900" dirty="0">
-                <a:hlinkClick r:id="rId4"/>
-              </a:rPr>
-              <a:t>https://www.microsoft.com/en-us/download/details.aspx?id=43717</a:t>
-            </a:r>
-            <a:endParaRPr lang="en-US" sz="1900" dirty="0"/>
-          </a:p>
-          <a:p>
-            <a:pPr marL="0" indent="0">
-              <a:buNone/>
-            </a:pPr>
-            <a:endParaRPr lang="en-US" sz="1900" dirty="0"/>
-          </a:p>
-          <a:p>
-            <a:pPr marL="0" indent="0">
-              <a:buNone/>
-            </a:pPr>
-            <a:r>
-              <a:rPr lang="en-US" sz="1900" dirty="0"/>
-              <a:t>Restart IIS when complete</a:t>
-            </a:r>
-          </a:p>
-          <a:p>
-            <a:pPr marL="0" indent="0">
-              <a:buNone/>
-            </a:pPr>
-            <a:endParaRPr lang="en-US" sz="1900" dirty="0"/>
-          </a:p>
-        </p:txBody>
-      </p:sp>
-      <p:pic>
-        <p:nvPicPr>
-          <p:cNvPr id="5" name="Picture 4">
-            <a:extLst>
-              <a:ext uri="{FF2B5EF4-FFF2-40B4-BE49-F238E27FC236}">
-                <a16:creationId xmlns:a16="http://schemas.microsoft.com/office/drawing/2014/main" id="{3C99D699-7C01-4260-8BEA-B9C8EE5E6244}"/>
-              </a:ext>
-            </a:extLst>
-          </p:cNvPr>
-          <p:cNvPicPr>
-            <a:picLocks noChangeAspect="1"/>
-          </p:cNvPicPr>
-          <p:nvPr/>
-        </p:nvPicPr>
-        <p:blipFill>
-          <a:blip r:embed="rId5"/>
-          <a:stretch>
-            <a:fillRect/>
-          </a:stretch>
-        </p:blipFill>
-        <p:spPr>
-          <a:xfrm>
-            <a:off x="6096000" y="1690688"/>
-            <a:ext cx="5426869" cy="4213887"/>
-          </a:xfrm>
-          <a:prstGeom prst="rect">
-            <a:avLst/>
-          </a:prstGeom>
-        </p:spPr>
-      </p:pic>
-    </p:spTree>
-    <p:extLst>
-      <p:ext uri="{BB962C8B-B14F-4D97-AF65-F5344CB8AC3E}">
-        <p14:creationId xmlns:p14="http://schemas.microsoft.com/office/powerpoint/2010/main" val="1537815153"/>
-      </p:ext>
-    </p:extLst>
-  </p:cSld>
-  <p:clrMapOvr>
-    <a:masterClrMapping/>
-  </p:clrMapOvr>
-</p:sld>
-</file>
-
-<file path=ppt/slides/slide15.xml><?xml version="1.0" encoding="utf-8"?>
-<p:sld xmlns:a="http://schemas.openxmlformats.org/drawingml/2006/main" xmlns:r="http://schemas.openxmlformats.org/officeDocument/2006/relationships" xmlns:p="http://schemas.openxmlformats.org/presentationml/2006/main">
-  <p:cSld>
-    <p:spTree>
-      <p:nvGrpSpPr>
-        <p:cNvPr id="1" name=""/>
-        <p:cNvGrpSpPr/>
-        <p:nvPr/>
-      </p:nvGrpSpPr>
-      <p:grpSpPr>
-        <a:xfrm>
-          <a:off x="0" y="0"/>
-          <a:ext cx="0" cy="0"/>
-          <a:chOff x="0" y="0"/>
-          <a:chExt cx="0" cy="0"/>
-        </a:xfrm>
-      </p:grpSpPr>
-      <p:sp>
-        <p:nvSpPr>
-          <p:cNvPr id="2" name="Title 1">
-            <a:extLst>
-              <a:ext uri="{FF2B5EF4-FFF2-40B4-BE49-F238E27FC236}">
-                <a16:creationId xmlns:a16="http://schemas.microsoft.com/office/drawing/2014/main" id="{B7319F75-02E7-492E-993C-436E919704BB}"/>
-              </a:ext>
-            </a:extLst>
-          </p:cNvPr>
-          <p:cNvSpPr>
-            <a:spLocks noGrp="1"/>
-          </p:cNvSpPr>
-          <p:nvPr>
-            <p:ph type="title"/>
-          </p:nvPr>
-        </p:nvSpPr>
-        <p:spPr/>
-        <p:txBody>
-          <a:bodyPr/>
-          <a:lstStyle/>
-          <a:p>
-            <a:r>
-              <a:rPr lang="en-US" dirty="0"/>
-              <a:t>Monitoring Hackathon </a:t>
-            </a:r>
-            <a:r>
-              <a:rPr lang="en-US" dirty="0" err="1"/>
-              <a:t>eStoreOnWeb</a:t>
-            </a:r>
-            <a:r>
-              <a:rPr lang="en-US" dirty="0"/>
-              <a:t> Setup</a:t>
-            </a:r>
-          </a:p>
-        </p:txBody>
-      </p:sp>
-      <p:sp>
-        <p:nvSpPr>
-          <p:cNvPr id="3" name="Content Placeholder 2">
-            <a:extLst>
-              <a:ext uri="{FF2B5EF4-FFF2-40B4-BE49-F238E27FC236}">
-                <a16:creationId xmlns:a16="http://schemas.microsoft.com/office/drawing/2014/main" id="{AF88C286-9C1B-475A-8D11-F4C61E9EB7A9}"/>
-              </a:ext>
-            </a:extLst>
-          </p:cNvPr>
-          <p:cNvSpPr>
-            <a:spLocks noGrp="1"/>
-          </p:cNvSpPr>
-          <p:nvPr>
-            <p:ph idx="1"/>
-          </p:nvPr>
-        </p:nvSpPr>
-        <p:spPr>
-          <a:xfrm>
-            <a:off x="838200" y="1492624"/>
-            <a:ext cx="10515600" cy="4684339"/>
-          </a:xfrm>
-        </p:spPr>
-        <p:txBody>
-          <a:bodyPr>
-            <a:normAutofit/>
-          </a:bodyPr>
-          <a:lstStyle/>
-          <a:p>
-            <a:r>
-              <a:rPr lang="en-US" dirty="0"/>
-              <a:t>From the Visual Studio VM</a:t>
-            </a:r>
-          </a:p>
-          <a:p>
-            <a:pPr lvl="1"/>
-            <a:r>
-              <a:rPr lang="en-US" dirty="0"/>
-              <a:t>Open the </a:t>
-            </a:r>
-            <a:r>
-              <a:rPr lang="en-US" dirty="0" err="1"/>
-              <a:t>eShopOnWeb</a:t>
-            </a:r>
-            <a:r>
-              <a:rPr lang="en-US" dirty="0"/>
-              <a:t> solution in VS located in C:\eshoponweb\eShopOnWeb-master</a:t>
-            </a:r>
-          </a:p>
-          <a:p>
-            <a:pPr lvl="1"/>
-            <a:r>
-              <a:rPr lang="en-US" dirty="0"/>
-              <a:t>On the </a:t>
-            </a:r>
-            <a:r>
-              <a:rPr lang="en-US" dirty="0" err="1"/>
-              <a:t>Github</a:t>
-            </a:r>
-            <a:r>
-              <a:rPr lang="en-US" dirty="0"/>
-              <a:t> page for the </a:t>
-            </a:r>
-            <a:r>
-              <a:rPr lang="en-US" dirty="0" err="1"/>
-              <a:t>eShopOnWeb</a:t>
-            </a:r>
-            <a:r>
-              <a:rPr lang="en-US" dirty="0"/>
-              <a:t> follow the instructions under </a:t>
-            </a:r>
-            <a:br>
-              <a:rPr lang="en-US" dirty="0"/>
-            </a:br>
-            <a:r>
-              <a:rPr lang="en-US" b="1" dirty="0"/>
-              <a:t>Configuring the sample to use SQL Server</a:t>
-            </a:r>
-          </a:p>
-          <a:p>
-            <a:pPr lvl="1"/>
-            <a:r>
-              <a:rPr lang="en-US" dirty="0"/>
-              <a:t>Change the project startup to Web from Infrastructure</a:t>
-            </a:r>
-          </a:p>
-          <a:p>
-            <a:pPr lvl="1"/>
-            <a:r>
-              <a:rPr lang="en-US" dirty="0"/>
-              <a:t>Test application</a:t>
-            </a:r>
-          </a:p>
-        </p:txBody>
-      </p:sp>
-    </p:spTree>
-    <p:extLst>
-      <p:ext uri="{BB962C8B-B14F-4D97-AF65-F5344CB8AC3E}">
-        <p14:creationId xmlns:p14="http://schemas.microsoft.com/office/powerpoint/2010/main" val="403726206"/>
-      </p:ext>
-    </p:extLst>
-  </p:cSld>
-  <p:clrMapOvr>
-    <a:masterClrMapping/>
-  </p:clrMapOvr>
-</p:sld>
-</file>
-
 <file path=ppt/slides/slide2.xml><?xml version="1.0" encoding="utf-8"?>
 <p:sld xmlns:a="http://schemas.openxmlformats.org/drawingml/2006/main" xmlns:r="http://schemas.openxmlformats.org/officeDocument/2006/relationships" xmlns:p="http://schemas.openxmlformats.org/presentationml/2006/main">
   <p:cSld>
@@ -6011,7 +3964,7 @@
           <a:p>
             <a:r>
               <a:rPr lang="en-US" dirty="0"/>
-              <a:t>Agenda – Day 1</a:t>
+              <a:t>Agenda</a:t>
             </a:r>
           </a:p>
         </p:txBody>
@@ -6035,59 +3988,60 @@
         <p:spPr/>
         <p:txBody>
           <a:bodyPr>
-            <a:normAutofit lnSpcReduction="10000"/>
+            <a:normAutofit/>
           </a:bodyPr>
           <a:lstStyle/>
           <a:p>
             <a:r>
               <a:rPr lang="en-US" dirty="0"/>
-              <a:t>9 – 9:30 AM: Kickoff &amp; Introductions</a:t>
+              <a:t>10:00 – 10:30: Kickoff</a:t>
             </a:r>
           </a:p>
           <a:p>
             <a:r>
               <a:rPr lang="en-US" dirty="0"/>
-              <a:t>9:30  - 10:30 AM: Deploy lab</a:t>
+              <a:t>10:30 – 11:30: Azure Security &amp; Management overview</a:t>
             </a:r>
           </a:p>
           <a:p>
             <a:r>
               <a:rPr lang="en-US" dirty="0"/>
-              <a:t>10:30 – 10:45 AM: Break</a:t>
+              <a:t>11:30 – 12:15: Lunch</a:t>
             </a:r>
           </a:p>
           <a:p>
             <a:r>
               <a:rPr lang="en-US" dirty="0"/>
-              <a:t>11 am - Noon: Azure Security &amp; Management and Monitoring Overviews </a:t>
+              <a:t>12:15 – 14:00: Azure Monitor and Alert Rule challenges</a:t>
             </a:r>
           </a:p>
           <a:p>
             <a:r>
               <a:rPr lang="en-US" dirty="0"/>
-              <a:t>Noon – 1 PM: Lunch</a:t>
+              <a:t>14:00 – 14:15: Break</a:t>
             </a:r>
           </a:p>
           <a:p>
             <a:r>
               <a:rPr lang="en-US" dirty="0"/>
-              <a:t>1 – 3 PM: Azure Monitor and Alert Rule Challenges</a:t>
+              <a:t>14:15 – 16:15: Log Analytics challenges </a:t>
+            </a:r>
+            <a:r>
+              <a:rPr lang="en-US" sz="1600" u="sng" dirty="0"/>
+              <a:t>(this is the cool stuff especially for security folks!)</a:t>
             </a:r>
           </a:p>
           <a:p>
             <a:r>
               <a:rPr lang="en-US" dirty="0"/>
-              <a:t>3 – 3:15 PM: Break</a:t>
+              <a:t>16:15 – 16:30: Break</a:t>
             </a:r>
           </a:p>
           <a:p>
             <a:r>
               <a:rPr lang="en-US" dirty="0"/>
-              <a:t>3:15 – 5 PM: Monitoring and Alert Rule Automation Challenge</a:t>
-            </a:r>
-          </a:p>
-          <a:p>
-            <a:endParaRPr lang="en-US" dirty="0"/>
+              <a:t>16:30 – 17:00: Team sync (the good bad and ugly)</a:t>
+            </a:r>
           </a:p>
         </p:txBody>
       </p:sp>
@@ -6126,266 +4080,6 @@
           <p:cNvPr id="2" name="Title 1">
             <a:extLst>
               <a:ext uri="{FF2B5EF4-FFF2-40B4-BE49-F238E27FC236}">
-                <a16:creationId xmlns:a16="http://schemas.microsoft.com/office/drawing/2014/main" id="{E8F0ADB5-C39C-47EE-BD09-8A4FB135B11C}"/>
-              </a:ext>
-            </a:extLst>
-          </p:cNvPr>
-          <p:cNvSpPr>
-            <a:spLocks noGrp="1"/>
-          </p:cNvSpPr>
-          <p:nvPr>
-            <p:ph type="title"/>
-          </p:nvPr>
-        </p:nvSpPr>
-        <p:spPr/>
-        <p:txBody>
-          <a:bodyPr/>
-          <a:lstStyle/>
-          <a:p>
-            <a:r>
-              <a:rPr lang="en-US" dirty="0"/>
-              <a:t>Agenda – Day 2</a:t>
-            </a:r>
-          </a:p>
-        </p:txBody>
-      </p:sp>
-      <p:sp>
-        <p:nvSpPr>
-          <p:cNvPr id="3" name="Content Placeholder 2">
-            <a:extLst>
-              <a:ext uri="{FF2B5EF4-FFF2-40B4-BE49-F238E27FC236}">
-                <a16:creationId xmlns:a16="http://schemas.microsoft.com/office/drawing/2014/main" id="{E583B256-EB77-4750-A793-27EDE3BD5BA1}"/>
-              </a:ext>
-            </a:extLst>
-          </p:cNvPr>
-          <p:cNvSpPr>
-            <a:spLocks noGrp="1"/>
-          </p:cNvSpPr>
-          <p:nvPr>
-            <p:ph idx="1"/>
-          </p:nvPr>
-        </p:nvSpPr>
-        <p:spPr/>
-        <p:txBody>
-          <a:bodyPr>
-            <a:normAutofit lnSpcReduction="10000"/>
-          </a:bodyPr>
-          <a:lstStyle/>
-          <a:p>
-            <a:r>
-              <a:rPr lang="en-US" dirty="0"/>
-              <a:t>9 – 9:30 AM: Team Sync (what did you learn from Day 1?, how did it go?, blocked?)</a:t>
-            </a:r>
-          </a:p>
-          <a:p>
-            <a:r>
-              <a:rPr lang="en-US" dirty="0"/>
-              <a:t>9:30 – 10:15 AM: Log Analytics Overview</a:t>
-            </a:r>
-          </a:p>
-          <a:p>
-            <a:r>
-              <a:rPr lang="en-US" dirty="0"/>
-              <a:t>10:15 – 10:30 AM: Break</a:t>
-            </a:r>
-          </a:p>
-          <a:p>
-            <a:r>
-              <a:rPr lang="en-US" dirty="0"/>
-              <a:t>10:30 – Noon: Log Analytics Challenges Start</a:t>
-            </a:r>
-          </a:p>
-          <a:p>
-            <a:r>
-              <a:rPr lang="en-US" dirty="0"/>
-              <a:t>Noon – 1 PM: Lunch</a:t>
-            </a:r>
-          </a:p>
-          <a:p>
-            <a:r>
-              <a:rPr lang="en-US" dirty="0"/>
-              <a:t>1  – 3 PM: Log Analytics Dashboard Challenge</a:t>
-            </a:r>
-          </a:p>
-          <a:p>
-            <a:r>
-              <a:rPr lang="en-US" dirty="0"/>
-              <a:t>3 – 3:15 PM: break</a:t>
-            </a:r>
-          </a:p>
-          <a:p>
-            <a:r>
-              <a:rPr lang="en-US" dirty="0"/>
-              <a:t>3:15 – 5 PM: Log Analytics Challenges (complete)</a:t>
-            </a:r>
-          </a:p>
-          <a:p>
-            <a:endParaRPr lang="en-US" dirty="0"/>
-          </a:p>
-        </p:txBody>
-      </p:sp>
-    </p:spTree>
-    <p:extLst>
-      <p:ext uri="{BB962C8B-B14F-4D97-AF65-F5344CB8AC3E}">
-        <p14:creationId xmlns:p14="http://schemas.microsoft.com/office/powerpoint/2010/main" val="979064255"/>
-      </p:ext>
-    </p:extLst>
-  </p:cSld>
-  <p:clrMapOvr>
-    <a:masterClrMapping/>
-  </p:clrMapOvr>
-</p:sld>
-</file>
-
-<file path=ppt/slides/slide4.xml><?xml version="1.0" encoding="utf-8"?>
-<p:sld xmlns:a="http://schemas.openxmlformats.org/drawingml/2006/main" xmlns:r="http://schemas.openxmlformats.org/officeDocument/2006/relationships" xmlns:p="http://schemas.openxmlformats.org/presentationml/2006/main">
-  <p:cSld>
-    <p:spTree>
-      <p:nvGrpSpPr>
-        <p:cNvPr id="1" name=""/>
-        <p:cNvGrpSpPr/>
-        <p:nvPr/>
-      </p:nvGrpSpPr>
-      <p:grpSpPr>
-        <a:xfrm>
-          <a:off x="0" y="0"/>
-          <a:ext cx="0" cy="0"/>
-          <a:chOff x="0" y="0"/>
-          <a:chExt cx="0" cy="0"/>
-        </a:xfrm>
-      </p:grpSpPr>
-      <p:sp>
-        <p:nvSpPr>
-          <p:cNvPr id="2" name="Title 1">
-            <a:extLst>
-              <a:ext uri="{FF2B5EF4-FFF2-40B4-BE49-F238E27FC236}">
-                <a16:creationId xmlns:a16="http://schemas.microsoft.com/office/drawing/2014/main" id="{E8F0ADB5-C39C-47EE-BD09-8A4FB135B11C}"/>
-              </a:ext>
-            </a:extLst>
-          </p:cNvPr>
-          <p:cNvSpPr>
-            <a:spLocks noGrp="1"/>
-          </p:cNvSpPr>
-          <p:nvPr>
-            <p:ph type="title"/>
-          </p:nvPr>
-        </p:nvSpPr>
-        <p:spPr/>
-        <p:txBody>
-          <a:bodyPr/>
-          <a:lstStyle/>
-          <a:p>
-            <a:r>
-              <a:rPr lang="en-US" dirty="0"/>
-              <a:t>Agenda – Day 3</a:t>
-            </a:r>
-          </a:p>
-        </p:txBody>
-      </p:sp>
-      <p:sp>
-        <p:nvSpPr>
-          <p:cNvPr id="3" name="Content Placeholder 2">
-            <a:extLst>
-              <a:ext uri="{FF2B5EF4-FFF2-40B4-BE49-F238E27FC236}">
-                <a16:creationId xmlns:a16="http://schemas.microsoft.com/office/drawing/2014/main" id="{E583B256-EB77-4750-A793-27EDE3BD5BA1}"/>
-              </a:ext>
-            </a:extLst>
-          </p:cNvPr>
-          <p:cNvSpPr>
-            <a:spLocks noGrp="1"/>
-          </p:cNvSpPr>
-          <p:nvPr>
-            <p:ph idx="1"/>
-          </p:nvPr>
-        </p:nvSpPr>
-        <p:spPr/>
-        <p:txBody>
-          <a:bodyPr>
-            <a:normAutofit/>
-          </a:bodyPr>
-          <a:lstStyle/>
-          <a:p>
-            <a:r>
-              <a:rPr lang="en-US" dirty="0"/>
-              <a:t>9 – 9:30 AM: Team Sync up (what did you learn from Day 2?, how did it go?, blocked?)</a:t>
-            </a:r>
-          </a:p>
-          <a:p>
-            <a:r>
-              <a:rPr lang="en-US" dirty="0"/>
-              <a:t>9:30 – 10:15 AM: App Insights Overview</a:t>
-            </a:r>
-          </a:p>
-          <a:p>
-            <a:r>
-              <a:rPr lang="en-US" dirty="0"/>
-              <a:t>10:15 – 10:30 AM: Break</a:t>
-            </a:r>
-          </a:p>
-          <a:p>
-            <a:r>
-              <a:rPr lang="en-US" dirty="0"/>
-              <a:t>10:30 – Noon: App Insights Challenges Start</a:t>
-            </a:r>
-          </a:p>
-          <a:p>
-            <a:r>
-              <a:rPr lang="en-US" dirty="0"/>
-              <a:t>Noon – 1 PM: Lunch</a:t>
-            </a:r>
-          </a:p>
-          <a:p>
-            <a:r>
-              <a:rPr lang="en-US" dirty="0"/>
-              <a:t>1  – 3 PM: App Insights Challenges Continues </a:t>
-            </a:r>
-          </a:p>
-          <a:p>
-            <a:r>
-              <a:rPr lang="en-US" dirty="0"/>
-              <a:t>3 – 4 PM: Plan &amp; Whiteboard Monitoring for existing Application </a:t>
-            </a:r>
-          </a:p>
-          <a:p>
-            <a:endParaRPr lang="en-US" dirty="0"/>
-          </a:p>
-        </p:txBody>
-      </p:sp>
-    </p:spTree>
-    <p:extLst>
-      <p:ext uri="{BB962C8B-B14F-4D97-AF65-F5344CB8AC3E}">
-        <p14:creationId xmlns:p14="http://schemas.microsoft.com/office/powerpoint/2010/main" val="2675988397"/>
-      </p:ext>
-    </p:extLst>
-  </p:cSld>
-  <p:clrMapOvr>
-    <a:masterClrMapping/>
-  </p:clrMapOvr>
-</p:sld>
-</file>
-
-<file path=ppt/slides/slide5.xml><?xml version="1.0" encoding="utf-8"?>
-<p:sld xmlns:a="http://schemas.openxmlformats.org/drawingml/2006/main" xmlns:r="http://schemas.openxmlformats.org/officeDocument/2006/relationships" xmlns:p="http://schemas.openxmlformats.org/presentationml/2006/main">
-  <p:cSld>
-    <p:spTree>
-      <p:nvGrpSpPr>
-        <p:cNvPr id="1" name=""/>
-        <p:cNvGrpSpPr/>
-        <p:nvPr/>
-      </p:nvGrpSpPr>
-      <p:grpSpPr>
-        <a:xfrm>
-          <a:off x="0" y="0"/>
-          <a:ext cx="0" cy="0"/>
-          <a:chOff x="0" y="0"/>
-          <a:chExt cx="0" cy="0"/>
-        </a:xfrm>
-      </p:grpSpPr>
-      <p:sp>
-        <p:nvSpPr>
-          <p:cNvPr id="2" name="Title 1">
-            <a:extLst>
-              <a:ext uri="{FF2B5EF4-FFF2-40B4-BE49-F238E27FC236}">
                 <a16:creationId xmlns:a16="http://schemas.microsoft.com/office/drawing/2014/main" id="{B7319F75-02E7-492E-993C-436E919704BB}"/>
               </a:ext>
             </a:extLst>
@@ -6552,7 +4246,7 @@
               <a:rPr lang="en-US" dirty="0">
                 <a:hlinkClick r:id="rId9"/>
               </a:rPr>
-              <a:t>https://github.com/rkuehfus/AzureMonitoringHackathon</a:t>
+              <a:t>https://github.com/peterschen/AzureMonitoringHackathon</a:t>
             </a:r>
             <a:r>
               <a:rPr lang="en-US" dirty="0"/>
@@ -6587,7 +4281,11 @@
             </a:r>
             <a:r>
               <a:rPr lang="en-US" dirty="0"/>
-              <a:t> files and follow the instructions.</a:t>
+              <a:t> files and </a:t>
+            </a:r>
+            <a:r>
+              <a:rPr lang="en-US" b="1" u="sng" dirty="0"/>
+              <a:t>follow the instructions.</a:t>
             </a:r>
           </a:p>
         </p:txBody>
@@ -6605,7 +4303,7 @@
 </p:sld>
 </file>
 
-<file path=ppt/slides/slide6.xml><?xml version="1.0" encoding="utf-8"?>
+<file path=ppt/slides/slide4.xml><?xml version="1.0" encoding="utf-8"?>
 <p:sld xmlns:a="http://schemas.openxmlformats.org/drawingml/2006/main" xmlns:r="http://schemas.openxmlformats.org/officeDocument/2006/relationships" xmlns:p="http://schemas.openxmlformats.org/presentationml/2006/main">
   <p:cSld>
     <p:bg>
@@ -6857,6 +4555,412 @@
 </p:sld>
 </file>
 
+<file path=ppt/slides/slide5.xml><?xml version="1.0" encoding="utf-8"?>
+<p:sld xmlns:a="http://schemas.openxmlformats.org/drawingml/2006/main" xmlns:r="http://schemas.openxmlformats.org/officeDocument/2006/relationships" xmlns:p="http://schemas.openxmlformats.org/presentationml/2006/main">
+  <p:cSld>
+    <p:spTree>
+      <p:nvGrpSpPr>
+        <p:cNvPr id="1" name=""/>
+        <p:cNvGrpSpPr/>
+        <p:nvPr/>
+      </p:nvGrpSpPr>
+      <p:grpSpPr>
+        <a:xfrm>
+          <a:off x="0" y="0"/>
+          <a:ext cx="0" cy="0"/>
+          <a:chOff x="0" y="0"/>
+          <a:chExt cx="0" cy="0"/>
+        </a:xfrm>
+      </p:grpSpPr>
+      <p:sp>
+        <p:nvSpPr>
+          <p:cNvPr id="2" name="Title 1">
+            <a:extLst>
+              <a:ext uri="{FF2B5EF4-FFF2-40B4-BE49-F238E27FC236}">
+                <a16:creationId xmlns:a16="http://schemas.microsoft.com/office/drawing/2014/main" id="{60058EC1-5D04-4F24-9182-0E3316DEB259}"/>
+              </a:ext>
+            </a:extLst>
+          </p:cNvPr>
+          <p:cNvSpPr>
+            <a:spLocks noGrp="1"/>
+          </p:cNvSpPr>
+          <p:nvPr>
+            <p:ph type="title"/>
+          </p:nvPr>
+        </p:nvSpPr>
+        <p:spPr/>
+        <p:txBody>
+          <a:bodyPr/>
+          <a:lstStyle/>
+          <a:p>
+            <a:r>
+              <a:rPr lang="en-US" dirty="0"/>
+              <a:t>Monitoring and Alert Rule Challenge	</a:t>
+            </a:r>
+          </a:p>
+        </p:txBody>
+      </p:sp>
+      <p:sp>
+        <p:nvSpPr>
+          <p:cNvPr id="3" name="Content Placeholder 2">
+            <a:extLst>
+              <a:ext uri="{FF2B5EF4-FFF2-40B4-BE49-F238E27FC236}">
+                <a16:creationId xmlns:a16="http://schemas.microsoft.com/office/drawing/2014/main" id="{F6074475-A229-48AD-8729-0FD1E62F0B0C}"/>
+              </a:ext>
+            </a:extLst>
+          </p:cNvPr>
+          <p:cNvSpPr>
+            <a:spLocks noGrp="1"/>
+          </p:cNvSpPr>
+          <p:nvPr>
+            <p:ph idx="1"/>
+          </p:nvPr>
+        </p:nvSpPr>
+        <p:spPr>
+          <a:xfrm>
+            <a:off x="434340" y="1434465"/>
+            <a:ext cx="10919460" cy="5120640"/>
+          </a:xfrm>
+        </p:spPr>
+        <p:txBody>
+          <a:bodyPr>
+            <a:normAutofit fontScale="92500" lnSpcReduction="20000"/>
+          </a:bodyPr>
+          <a:lstStyle/>
+          <a:p>
+            <a:r>
+              <a:rPr lang="en-US" sz="2000" dirty="0"/>
+              <a:t>Prep</a:t>
+            </a:r>
+          </a:p>
+          <a:p>
+            <a:pPr lvl="1"/>
+            <a:r>
+              <a:rPr lang="en-US" sz="1600" dirty="0"/>
+              <a:t>Turn off IE Enhanced Security Configuration in Server Manager</a:t>
+            </a:r>
+          </a:p>
+          <a:p>
+            <a:pPr lvl="1"/>
+            <a:r>
+              <a:rPr lang="en-US" sz="1600" dirty="0"/>
+              <a:t>Download and Install </a:t>
+            </a:r>
+            <a:r>
+              <a:rPr lang="en-US" sz="1600" dirty="0" err="1"/>
+              <a:t>HammerDB</a:t>
+            </a:r>
+            <a:r>
+              <a:rPr lang="en-US" sz="1600" dirty="0"/>
+              <a:t> tool on the Visual Studio VM: w</a:t>
+            </a:r>
+            <a:r>
+              <a:rPr lang="en-US" sz="1600" dirty="0">
+                <a:hlinkClick r:id="rId3"/>
+              </a:rPr>
+              <a:t>ww.hammerdb.com</a:t>
+            </a:r>
+            <a:endParaRPr lang="en-US" sz="1600" dirty="0"/>
+          </a:p>
+          <a:p>
+            <a:pPr lvl="1"/>
+            <a:r>
+              <a:rPr lang="en-US" sz="1600" dirty="0"/>
+              <a:t>Create a database called “</a:t>
+            </a:r>
+            <a:r>
+              <a:rPr lang="en-US" sz="1600" dirty="0" err="1"/>
+              <a:t>tpcc</a:t>
+            </a:r>
+            <a:r>
+              <a:rPr lang="en-US" sz="1600" dirty="0"/>
+              <a:t>” on the SQL Server</a:t>
+            </a:r>
+          </a:p>
+          <a:p>
+            <a:pPr lvl="1"/>
+            <a:r>
+              <a:rPr lang="en-US" sz="1600" dirty="0"/>
+              <a:t>Use </a:t>
+            </a:r>
+            <a:r>
+              <a:rPr lang="en-US" sz="1600" dirty="0" err="1"/>
+              <a:t>HammerDB</a:t>
+            </a:r>
+            <a:r>
+              <a:rPr lang="en-US" sz="1600" dirty="0"/>
+              <a:t> Build to create transaction load</a:t>
+            </a:r>
+          </a:p>
+          <a:p>
+            <a:r>
+              <a:rPr lang="en-US" sz="2000" dirty="0"/>
+              <a:t>From Azure Portal, enable guest-level monitoring on SQL Server</a:t>
+            </a:r>
+          </a:p>
+          <a:p>
+            <a:pPr lvl="1"/>
+            <a:r>
+              <a:rPr lang="en-US" sz="1600" dirty="0"/>
+              <a:t>Add a Performance Counter Metric for </a:t>
+            </a:r>
+          </a:p>
+          <a:p>
+            <a:pPr lvl="2"/>
+            <a:r>
+              <a:rPr lang="en-US" sz="1400" dirty="0"/>
+              <a:t>Object: </a:t>
+            </a:r>
+            <a:r>
+              <a:rPr lang="en-US" sz="1400" dirty="0" err="1"/>
+              <a:t>SQLServer:Databases</a:t>
+            </a:r>
+            <a:r>
+              <a:rPr lang="en-US" sz="1400" dirty="0"/>
+              <a:t> </a:t>
+            </a:r>
+          </a:p>
+          <a:p>
+            <a:pPr lvl="2"/>
+            <a:r>
+              <a:rPr lang="en-US" sz="1400" dirty="0"/>
+              <a:t>Counter: Active Transactions</a:t>
+            </a:r>
+          </a:p>
+          <a:p>
+            <a:pPr lvl="2"/>
+            <a:r>
+              <a:rPr lang="en-US" sz="1400" dirty="0" err="1"/>
+              <a:t>Instance:tpcc</a:t>
+            </a:r>
+            <a:endParaRPr lang="en-US" sz="1600" dirty="0"/>
+          </a:p>
+          <a:p>
+            <a:r>
+              <a:rPr lang="en-US" sz="2000" dirty="0"/>
+              <a:t>From Azure Monitor, create a graph for SQL Server Active Transactions and Percent CPU and pin to your Azure Dashboard</a:t>
+            </a:r>
+          </a:p>
+          <a:p>
+            <a:r>
+              <a:rPr lang="en-US" sz="2000" dirty="0"/>
+              <a:t>Configure the new Azure Monitor sink for guest-level monitoring and alerting</a:t>
+            </a:r>
+          </a:p>
+          <a:p>
+            <a:pPr lvl="1"/>
+            <a:r>
+              <a:rPr lang="en-US" sz="1600" dirty="0"/>
+              <a:t>Create an Alert if Active Transactions goes over 100 on the SQL Server </a:t>
+            </a:r>
+            <a:r>
+              <a:rPr lang="en-US" sz="1600" dirty="0" err="1"/>
+              <a:t>tpcc</a:t>
+            </a:r>
+            <a:r>
+              <a:rPr lang="en-US" sz="1600" dirty="0"/>
+              <a:t> database and configure the action group to send an email to yourself when the threshold is exceeded</a:t>
+            </a:r>
+          </a:p>
+          <a:p>
+            <a:r>
+              <a:rPr lang="en-US" sz="2000" dirty="0"/>
+              <a:t>Create an Alert Rule for CPU over 75% on the Virtual Scale Set that emails me when you go over the threshold.</a:t>
+            </a:r>
+          </a:p>
+          <a:p>
+            <a:r>
+              <a:rPr lang="en-US" sz="2000" dirty="0"/>
+              <a:t>First team to send me both alerts wins the challenge!!</a:t>
+            </a:r>
+          </a:p>
+          <a:p>
+            <a:r>
+              <a:rPr lang="en-US" sz="2000" dirty="0"/>
+              <a:t>Good luck!</a:t>
+            </a:r>
+          </a:p>
+        </p:txBody>
+      </p:sp>
+    </p:spTree>
+    <p:extLst>
+      <p:ext uri="{BB962C8B-B14F-4D97-AF65-F5344CB8AC3E}">
+        <p14:creationId xmlns:p14="http://schemas.microsoft.com/office/powerpoint/2010/main" val="2030375675"/>
+      </p:ext>
+    </p:extLst>
+  </p:cSld>
+  <p:clrMapOvr>
+    <a:masterClrMapping/>
+  </p:clrMapOvr>
+</p:sld>
+</file>
+
+<file path=ppt/slides/slide6.xml><?xml version="1.0" encoding="utf-8"?>
+<p:sld xmlns:a="http://schemas.openxmlformats.org/drawingml/2006/main" xmlns:r="http://schemas.openxmlformats.org/officeDocument/2006/relationships" xmlns:p="http://schemas.openxmlformats.org/presentationml/2006/main">
+  <p:cSld>
+    <p:spTree>
+      <p:nvGrpSpPr>
+        <p:cNvPr id="1" name=""/>
+        <p:cNvGrpSpPr/>
+        <p:nvPr/>
+      </p:nvGrpSpPr>
+      <p:grpSpPr>
+        <a:xfrm>
+          <a:off x="0" y="0"/>
+          <a:ext cx="0" cy="0"/>
+          <a:chOff x="0" y="0"/>
+          <a:chExt cx="0" cy="0"/>
+        </a:xfrm>
+      </p:grpSpPr>
+      <p:sp>
+        <p:nvSpPr>
+          <p:cNvPr id="2" name="Title 1">
+            <a:extLst>
+              <a:ext uri="{FF2B5EF4-FFF2-40B4-BE49-F238E27FC236}">
+                <a16:creationId xmlns:a16="http://schemas.microsoft.com/office/drawing/2014/main" id="{9103BE6A-C3F7-45A9-AAB2-2D815440BC0A}"/>
+              </a:ext>
+            </a:extLst>
+          </p:cNvPr>
+          <p:cNvSpPr>
+            <a:spLocks noGrp="1"/>
+          </p:cNvSpPr>
+          <p:nvPr>
+            <p:ph type="title"/>
+          </p:nvPr>
+        </p:nvSpPr>
+        <p:spPr/>
+        <p:txBody>
+          <a:bodyPr/>
+          <a:lstStyle/>
+          <a:p>
+            <a:r>
+              <a:rPr lang="en-US" dirty="0"/>
+              <a:t>Log Analytics Challenges</a:t>
+            </a:r>
+          </a:p>
+        </p:txBody>
+      </p:sp>
+      <p:sp>
+        <p:nvSpPr>
+          <p:cNvPr id="3" name="Content Placeholder 2">
+            <a:extLst>
+              <a:ext uri="{FF2B5EF4-FFF2-40B4-BE49-F238E27FC236}">
+                <a16:creationId xmlns:a16="http://schemas.microsoft.com/office/drawing/2014/main" id="{83B3D083-6DDC-4DF6-842F-2957BF37C439}"/>
+              </a:ext>
+            </a:extLst>
+          </p:cNvPr>
+          <p:cNvSpPr>
+            <a:spLocks noGrp="1"/>
+          </p:cNvSpPr>
+          <p:nvPr>
+            <p:ph idx="1"/>
+          </p:nvPr>
+        </p:nvSpPr>
+        <p:spPr/>
+        <p:txBody>
+          <a:bodyPr>
+            <a:normAutofit fontScale="85000" lnSpcReduction="20000"/>
+          </a:bodyPr>
+          <a:lstStyle/>
+          <a:p>
+            <a:r>
+              <a:rPr lang="en-US" dirty="0"/>
+              <a:t>Create a new Log Analytics Workspace</a:t>
+            </a:r>
+          </a:p>
+          <a:p>
+            <a:pPr lvl="1"/>
+            <a:r>
+              <a:rPr lang="en-US" dirty="0"/>
+              <a:t>From the portal connect SQL Server to your workspace. </a:t>
+            </a:r>
+          </a:p>
+          <a:p>
+            <a:pPr lvl="1"/>
+            <a:r>
+              <a:rPr lang="en-US" dirty="0"/>
+              <a:t>Modify the ARM template to automatically connect your VM Scale Set to the workspace.  Then redeploy template and verify the Web and SQL servers are connected</a:t>
+            </a:r>
+          </a:p>
+          <a:p>
+            <a:pPr lvl="1"/>
+            <a:r>
+              <a:rPr lang="en-US" dirty="0"/>
+              <a:t>Connect the Azure Activity Log, NSG, LB, Key Vault and Storage Account</a:t>
+            </a:r>
+          </a:p>
+          <a:p>
+            <a:pPr lvl="1"/>
+            <a:r>
+              <a:rPr lang="en-US" dirty="0"/>
+              <a:t>Add the following solutions: Activity Log Analytics, Key Vault, Agent Health, Alert Management</a:t>
+            </a:r>
+          </a:p>
+          <a:p>
+            <a:pPr lvl="1"/>
+            <a:r>
+              <a:rPr lang="en-US" dirty="0"/>
+              <a:t>Add the standard performance counters, Application and System Event logs and IIS logs.</a:t>
+            </a:r>
+          </a:p>
+          <a:p>
+            <a:r>
+              <a:rPr lang="en-US" dirty="0"/>
+              <a:t>Deploy Service Map agents to Web Scale Set VMs and SQL Servers</a:t>
+            </a:r>
+          </a:p>
+          <a:p>
+            <a:pPr lvl="1"/>
+            <a:r>
+              <a:rPr lang="en-US" dirty="0"/>
+              <a:t>Create a FE and BE group in Service Map</a:t>
+            </a:r>
+          </a:p>
+          <a:p>
+            <a:pPr lvl="1"/>
+            <a:r>
+              <a:rPr lang="en-US" dirty="0"/>
+              <a:t>Generate DB load using </a:t>
+            </a:r>
+            <a:r>
+              <a:rPr lang="en-US" dirty="0" err="1"/>
+              <a:t>HammerDB</a:t>
+            </a:r>
+            <a:r>
+              <a:rPr lang="en-US" dirty="0"/>
+              <a:t> from the Visual Studio Server and view the results in Service Map</a:t>
+            </a:r>
+          </a:p>
+          <a:p>
+            <a:r>
+              <a:rPr lang="en-US" dirty="0"/>
+              <a:t>First Team to email me a screenshot with the Visual Studio Server detected by your Scale Set and detected by Service Map wins the challenge.  Good luck!</a:t>
+            </a:r>
+          </a:p>
+          <a:p>
+            <a:endParaRPr lang="en-US" dirty="0"/>
+          </a:p>
+          <a:p>
+            <a:endParaRPr lang="en-US" dirty="0"/>
+          </a:p>
+          <a:p>
+            <a:endParaRPr lang="en-US" dirty="0"/>
+          </a:p>
+        </p:txBody>
+      </p:sp>
+    </p:spTree>
+    <p:extLst>
+      <p:ext uri="{BB962C8B-B14F-4D97-AF65-F5344CB8AC3E}">
+        <p14:creationId xmlns:p14="http://schemas.microsoft.com/office/powerpoint/2010/main" val="4232406185"/>
+      </p:ext>
+    </p:extLst>
+  </p:cSld>
+  <p:clrMapOvr>
+    <a:masterClrMapping/>
+  </p:clrMapOvr>
+</p:sld>
+</file>
+
 <file path=ppt/slides/slide7.xml><?xml version="1.0" encoding="utf-8"?>
 <p:sld xmlns:a="http://schemas.openxmlformats.org/drawingml/2006/main" xmlns:r="http://schemas.openxmlformats.org/officeDocument/2006/relationships" xmlns:p="http://schemas.openxmlformats.org/presentationml/2006/main">
   <p:cSld>
@@ -6879,7 +4983,7 @@
           <p:cNvPr id="2" name="Title 1">
             <a:extLst>
               <a:ext uri="{FF2B5EF4-FFF2-40B4-BE49-F238E27FC236}">
-                <a16:creationId xmlns:a16="http://schemas.microsoft.com/office/drawing/2014/main" id="{60058EC1-5D04-4F24-9182-0E3316DEB259}"/>
+                <a16:creationId xmlns:a16="http://schemas.microsoft.com/office/drawing/2014/main" id="{9103BE6A-C3F7-45A9-AAB2-2D815440BC0A}"/>
               </a:ext>
             </a:extLst>
           </p:cNvPr>
@@ -6897,7 +5001,7 @@
           <a:p>
             <a:r>
               <a:rPr lang="en-US" dirty="0"/>
-              <a:t>Monitoring and Alert Rule Challenge	</a:t>
+              <a:t>Log Analytics Dashboard Challenge</a:t>
             </a:r>
           </a:p>
         </p:txBody>
@@ -6907,7 +5011,7 @@
           <p:cNvPr id="3" name="Content Placeholder 2">
             <a:extLst>
               <a:ext uri="{FF2B5EF4-FFF2-40B4-BE49-F238E27FC236}">
-                <a16:creationId xmlns:a16="http://schemas.microsoft.com/office/drawing/2014/main" id="{F6074475-A229-48AD-8729-0FD1E62F0B0C}"/>
+                <a16:creationId xmlns:a16="http://schemas.microsoft.com/office/drawing/2014/main" id="{83B3D083-6DDC-4DF6-842F-2957BF37C439}"/>
               </a:ext>
             </a:extLst>
           </p:cNvPr>
@@ -6918,12 +5022,7 @@
             <p:ph idx="1"/>
           </p:nvPr>
         </p:nvSpPr>
-        <p:spPr>
-          <a:xfrm>
-            <a:off x="434340" y="1434465"/>
-            <a:ext cx="10919460" cy="5120640"/>
-          </a:xfrm>
-        </p:spPr>
+        <p:spPr/>
         <p:txBody>
           <a:bodyPr>
             <a:normAutofit fontScale="92500" lnSpcReduction="20000"/>
@@ -6931,508 +5030,94 @@
           <a:lstStyle/>
           <a:p>
             <a:r>
-              <a:rPr lang="en-US" sz="2000" dirty="0"/>
-              <a:t>Download and Install </a:t>
-            </a:r>
-            <a:r>
-              <a:rPr lang="en-US" sz="2000" dirty="0" err="1"/>
-              <a:t>HammerDB</a:t>
-            </a:r>
-            <a:r>
-              <a:rPr lang="en-US" sz="2000" dirty="0"/>
-              <a:t> tool on the Visual Studio VM</a:t>
+              <a:rPr lang="en-US" dirty="0"/>
+              <a:t>Write Custom Performance queries for Web and SQL Servers and save to favorites</a:t>
             </a:r>
           </a:p>
           <a:p>
             <a:pPr lvl="1"/>
             <a:r>
-              <a:rPr lang="en-US" sz="1600" dirty="0">
-                <a:hlinkClick r:id="rId3"/>
-              </a:rPr>
-              <a:t>www.hammerdb.com</a:t>
-            </a:r>
-            <a:endParaRPr lang="en-US" sz="1600" dirty="0"/>
-          </a:p>
-          <a:p>
-            <a:r>
-              <a:rPr lang="en-US" sz="2000" dirty="0"/>
-              <a:t>Create a database called “</a:t>
-            </a:r>
-            <a:r>
-              <a:rPr lang="en-US" sz="2000" dirty="0" err="1"/>
-              <a:t>tpcc</a:t>
-            </a:r>
-            <a:r>
-              <a:rPr lang="en-US" sz="2000" dirty="0"/>
-              <a:t>” on the SQL Server</a:t>
-            </a:r>
-          </a:p>
-          <a:p>
-            <a:r>
-              <a:rPr lang="en-US" sz="2000" dirty="0"/>
-              <a:t>From Azure Portal, Enable guest-level monitoring on SQL Server</a:t>
+              <a:rPr lang="en-US" dirty="0"/>
+              <a:t>Processor Utilization: Processor / % Processor Time</a:t>
             </a:r>
           </a:p>
           <a:p>
             <a:pPr lvl="1"/>
             <a:r>
-              <a:rPr lang="en-US" sz="1600" dirty="0"/>
-              <a:t>Add a Performance Counter Metric for </a:t>
-            </a:r>
-          </a:p>
-          <a:p>
-            <a:pPr lvl="2"/>
-            <a:r>
-              <a:rPr lang="en-US" sz="1400" dirty="0"/>
-              <a:t>Object: </a:t>
-            </a:r>
-            <a:r>
-              <a:rPr lang="en-US" sz="1400" dirty="0" err="1"/>
-              <a:t>SQLServer:Databases</a:t>
-            </a:r>
-            <a:r>
-              <a:rPr lang="en-US" sz="1400" dirty="0"/>
-              <a:t> </a:t>
-            </a:r>
-          </a:p>
-          <a:p>
-            <a:pPr lvl="2"/>
-            <a:r>
-              <a:rPr lang="en-US" sz="1400" dirty="0"/>
-              <a:t>Counter: Active Transactions</a:t>
-            </a:r>
-          </a:p>
-          <a:p>
-            <a:pPr lvl="2"/>
-            <a:r>
-              <a:rPr lang="en-US" sz="1400" dirty="0" err="1"/>
-              <a:t>Instance:tpcc</a:t>
-            </a:r>
-            <a:endParaRPr lang="en-US" sz="1400" dirty="0"/>
+              <a:rPr lang="en-US" dirty="0"/>
+              <a:t>Memory Utilization: Memory / % Committed Bytes In Use</a:t>
+            </a:r>
           </a:p>
           <a:p>
             <a:pPr lvl="1"/>
             <a:r>
-              <a:rPr lang="en-US" sz="1600" dirty="0"/>
-              <a:t>Extra Credit: Update your ARM Template to enable guest-level monitoring on the SQL Server and add the metric above.</a:t>
-            </a:r>
-          </a:p>
-          <a:p>
-            <a:r>
-              <a:rPr lang="en-US" sz="2000" dirty="0"/>
-              <a:t>Use </a:t>
-            </a:r>
-            <a:r>
-              <a:rPr lang="en-US" sz="2000" dirty="0" err="1"/>
-              <a:t>HammerDB</a:t>
-            </a:r>
-            <a:r>
-              <a:rPr lang="en-US" sz="2000" dirty="0"/>
-              <a:t> Build to create transaction load</a:t>
-            </a:r>
-          </a:p>
-          <a:p>
-            <a:r>
-              <a:rPr lang="en-US" sz="2000" dirty="0"/>
-              <a:t>From Azure Monitor, create a graph for the SQL Server Active Transactions and Percent CPU and pin to your Azure Dashboard</a:t>
+              <a:rPr lang="en-US" dirty="0"/>
+              <a:t>Disk Utilization (IO): Disk Reads/sec and Disk Writes/sec</a:t>
+            </a:r>
+          </a:p>
+          <a:p>
+            <a:r>
+              <a:rPr lang="en-US" dirty="0"/>
+              <a:t>Render the queries in a </a:t>
+            </a:r>
+            <a:r>
+              <a:rPr lang="en-US" dirty="0" err="1"/>
+              <a:t>timechart</a:t>
+            </a:r>
+            <a:r>
+              <a:rPr lang="en-US" dirty="0"/>
+              <a:t> for the last 4 hours and save to favorites</a:t>
+            </a:r>
+          </a:p>
+          <a:p>
+            <a:r>
+              <a:rPr lang="en-US" dirty="0"/>
+              <a:t>Create a heartbeat query for Web and SQL Server</a:t>
+            </a:r>
+          </a:p>
+          <a:p>
+            <a:r>
+              <a:rPr lang="en-US" dirty="0"/>
+              <a:t>Create a Log Analytics Solution </a:t>
             </a:r>
           </a:p>
           <a:p>
             <a:pPr lvl="1"/>
             <a:r>
-              <a:rPr lang="en-US" sz="1600" dirty="0"/>
-              <a:t>From Azure Monitor, create an Action group, to send email to your address</a:t>
+              <a:rPr lang="en-US" dirty="0"/>
+              <a:t>Use your heartbeat query for the Overview tile</a:t>
             </a:r>
           </a:p>
           <a:p>
             <a:pPr lvl="1"/>
             <a:r>
-              <a:rPr lang="en-US" sz="1600" dirty="0"/>
-              <a:t>Create an Alert if Active Transactions goes over 100 on the SQL Server </a:t>
-            </a:r>
-            <a:r>
-              <a:rPr lang="en-US" sz="1600" dirty="0" err="1"/>
-              <a:t>tpcc</a:t>
-            </a:r>
-            <a:r>
-              <a:rPr lang="en-US" sz="1600" dirty="0"/>
-              <a:t> database.</a:t>
-            </a:r>
-          </a:p>
-          <a:p>
-            <a:r>
-              <a:rPr lang="en-US" sz="2000" dirty="0"/>
-              <a:t>Create an Alert Rule for CPU over 75% on the Virtual Scale Set that emails me when you go over the threshold.</a:t>
-            </a:r>
-          </a:p>
-          <a:p>
-            <a:r>
-              <a:rPr lang="en-US" sz="2000" dirty="0"/>
-              <a:t>First team to send me both alerts wins the challenge!!</a:t>
-            </a:r>
-          </a:p>
-          <a:p>
-            <a:r>
-              <a:rPr lang="en-US" sz="2000" dirty="0"/>
-              <a:t>Good luck!</a:t>
-            </a:r>
+              <a:rPr lang="en-US" dirty="0"/>
+              <a:t>Use your performance queries to create a line chart &amp; list for Processor, Memory and Disk (Reads &amp; Writes).</a:t>
+            </a:r>
+          </a:p>
+          <a:p>
+            <a:r>
+              <a:rPr lang="en-US" dirty="0"/>
+              <a:t>First Team to email me a screenshot with your Solution wins the challenge.  Good luck!</a:t>
+            </a:r>
+          </a:p>
+          <a:p>
+            <a:pPr lvl="1"/>
+            <a:endParaRPr lang="en-US" dirty="0"/>
+          </a:p>
+          <a:p>
+            <a:pPr lvl="1"/>
+            <a:endParaRPr lang="en-US" dirty="0"/>
+          </a:p>
+          <a:p>
+            <a:endParaRPr lang="en-US" dirty="0"/>
           </a:p>
         </p:txBody>
       </p:sp>
     </p:spTree>
     <p:extLst>
       <p:ext uri="{BB962C8B-B14F-4D97-AF65-F5344CB8AC3E}">
-        <p14:creationId xmlns:p14="http://schemas.microsoft.com/office/powerpoint/2010/main" val="2030375675"/>
-      </p:ext>
-    </p:extLst>
-  </p:cSld>
-  <p:clrMapOvr>
-    <a:masterClrMapping/>
-  </p:clrMapOvr>
-</p:sld>
-</file>
-
-<file path=ppt/slides/slide8.xml><?xml version="1.0" encoding="utf-8"?>
-<p:sld xmlns:a="http://schemas.openxmlformats.org/drawingml/2006/main" xmlns:r="http://schemas.openxmlformats.org/officeDocument/2006/relationships" xmlns:p="http://schemas.openxmlformats.org/presentationml/2006/main">
-  <p:cSld>
-    <p:spTree>
-      <p:nvGrpSpPr>
-        <p:cNvPr id="1" name=""/>
-        <p:cNvGrpSpPr/>
-        <p:nvPr/>
-      </p:nvGrpSpPr>
-      <p:grpSpPr>
-        <a:xfrm>
-          <a:off x="0" y="0"/>
-          <a:ext cx="0" cy="0"/>
-          <a:chOff x="0" y="0"/>
-          <a:chExt cx="0" cy="0"/>
-        </a:xfrm>
-      </p:grpSpPr>
-      <p:sp>
-        <p:nvSpPr>
-          <p:cNvPr id="2" name="Title 1">
-            <a:extLst>
-              <a:ext uri="{FF2B5EF4-FFF2-40B4-BE49-F238E27FC236}">
-                <a16:creationId xmlns:a16="http://schemas.microsoft.com/office/drawing/2014/main" id="{60058EC1-5D04-4F24-9182-0E3316DEB259}"/>
-              </a:ext>
-            </a:extLst>
-          </p:cNvPr>
-          <p:cNvSpPr>
-            <a:spLocks noGrp="1"/>
-          </p:cNvSpPr>
-          <p:nvPr>
-            <p:ph type="title"/>
-          </p:nvPr>
-        </p:nvSpPr>
-        <p:spPr>
-          <a:xfrm>
-            <a:off x="838200" y="365125"/>
-            <a:ext cx="10919460" cy="832739"/>
-          </a:xfrm>
-        </p:spPr>
-        <p:txBody>
-          <a:bodyPr>
-            <a:normAutofit fontScale="90000"/>
-          </a:bodyPr>
-          <a:lstStyle/>
-          <a:p>
-            <a:r>
-              <a:rPr lang="en-US" dirty="0"/>
-              <a:t>Monitoring and Alert Rule Automation Challenge	</a:t>
-            </a:r>
-          </a:p>
-        </p:txBody>
-      </p:sp>
-      <p:sp>
-        <p:nvSpPr>
-          <p:cNvPr id="3" name="Content Placeholder 2">
-            <a:extLst>
-              <a:ext uri="{FF2B5EF4-FFF2-40B4-BE49-F238E27FC236}">
-                <a16:creationId xmlns:a16="http://schemas.microsoft.com/office/drawing/2014/main" id="{F6074475-A229-48AD-8729-0FD1E62F0B0C}"/>
-              </a:ext>
-            </a:extLst>
-          </p:cNvPr>
-          <p:cNvSpPr>
-            <a:spLocks noGrp="1"/>
-          </p:cNvSpPr>
-          <p:nvPr>
-            <p:ph idx="1"/>
-          </p:nvPr>
-        </p:nvSpPr>
-        <p:spPr>
-          <a:xfrm>
-            <a:off x="434340" y="1434465"/>
-            <a:ext cx="10919460" cy="5120640"/>
-          </a:xfrm>
-        </p:spPr>
-        <p:txBody>
-          <a:bodyPr>
-            <a:normAutofit/>
-          </a:bodyPr>
-          <a:lstStyle/>
-          <a:p>
-            <a:r>
-              <a:rPr lang="en-US" sz="2000" dirty="0"/>
-              <a:t>Update the parameters file and deployment script for the </a:t>
-            </a:r>
-            <a:r>
-              <a:rPr lang="en-US" sz="2000" dirty="0" err="1"/>
-              <a:t>GenerateAlertRules.json</a:t>
-            </a:r>
-            <a:r>
-              <a:rPr lang="en-US" sz="2000" dirty="0"/>
-              <a:t> template located in the </a:t>
-            </a:r>
-            <a:r>
-              <a:rPr lang="en-US" sz="2000" dirty="0" err="1"/>
-              <a:t>AlertTemplates</a:t>
-            </a:r>
-            <a:r>
-              <a:rPr lang="en-US" sz="2000" dirty="0"/>
-              <a:t> folder</a:t>
-            </a:r>
-          </a:p>
-          <a:p>
-            <a:pPr lvl="1"/>
-            <a:r>
-              <a:rPr lang="en-US" sz="1600" dirty="0"/>
-              <a:t>Add the names of your VMs and </a:t>
-            </a:r>
-            <a:r>
-              <a:rPr lang="en-US" sz="1600" dirty="0" err="1"/>
-              <a:t>ResouceId</a:t>
-            </a:r>
-            <a:r>
-              <a:rPr lang="en-US" sz="1600" dirty="0"/>
-              <a:t> for your Action Group</a:t>
-            </a:r>
-          </a:p>
-          <a:p>
-            <a:r>
-              <a:rPr lang="en-US" sz="2000" dirty="0"/>
-              <a:t>Deploy the </a:t>
-            </a:r>
-            <a:r>
-              <a:rPr lang="en-US" sz="2000" dirty="0" err="1"/>
-              <a:t>GenerateAlertRules.json</a:t>
-            </a:r>
-            <a:r>
-              <a:rPr lang="en-US" sz="2000" dirty="0"/>
-              <a:t> template using the sample PowerShell script (deployAlertRulesTemplate.ps1) or create a Bash script (look at the example from the initial deployment)</a:t>
-            </a:r>
-            <a:endParaRPr lang="en-US" sz="1600" dirty="0"/>
-          </a:p>
-          <a:p>
-            <a:r>
-              <a:rPr lang="en-US" sz="2000" dirty="0"/>
-              <a:t>Verify you have new Monitor Alert Rules in the Portal or from the command line (sample command is in the deployment script)</a:t>
-            </a:r>
-          </a:p>
-          <a:p>
-            <a:r>
-              <a:rPr lang="en-US" sz="2000" dirty="0"/>
-              <a:t>Modify the </a:t>
-            </a:r>
-            <a:r>
-              <a:rPr lang="en-US" sz="2000" dirty="0" err="1"/>
-              <a:t>GenerateAlertsRules.json</a:t>
-            </a:r>
-            <a:r>
-              <a:rPr lang="en-US" sz="2000" dirty="0"/>
-              <a:t> to include “Disk Write Operations/Sec” and set a threshold of 10</a:t>
-            </a:r>
-          </a:p>
-          <a:p>
-            <a:r>
-              <a:rPr lang="en-US" sz="2000" dirty="0"/>
-              <a:t>Rerun your template and verify your new Alert Rules are created for each of your VMs</a:t>
-            </a:r>
-          </a:p>
-          <a:p>
-            <a:r>
-              <a:rPr lang="en-US" sz="2000" dirty="0"/>
-              <a:t>First team to me a screenshot of the new Alert Rules wins the challenge!!</a:t>
-            </a:r>
-          </a:p>
-          <a:p>
-            <a:r>
-              <a:rPr lang="en-US" sz="2000" dirty="0"/>
-              <a:t>Good luck!</a:t>
-            </a:r>
-          </a:p>
-        </p:txBody>
-      </p:sp>
-    </p:spTree>
-    <p:extLst>
-      <p:ext uri="{BB962C8B-B14F-4D97-AF65-F5344CB8AC3E}">
-        <p14:creationId xmlns:p14="http://schemas.microsoft.com/office/powerpoint/2010/main" val="3193180807"/>
-      </p:ext>
-    </p:extLst>
-  </p:cSld>
-  <p:clrMapOvr>
-    <a:masterClrMapping/>
-  </p:clrMapOvr>
-</p:sld>
-</file>
-
-<file path=ppt/slides/slide9.xml><?xml version="1.0" encoding="utf-8"?>
-<p:sld xmlns:a="http://schemas.openxmlformats.org/drawingml/2006/main" xmlns:r="http://schemas.openxmlformats.org/officeDocument/2006/relationships" xmlns:p="http://schemas.openxmlformats.org/presentationml/2006/main">
-  <p:cSld>
-    <p:spTree>
-      <p:nvGrpSpPr>
-        <p:cNvPr id="1" name=""/>
-        <p:cNvGrpSpPr/>
-        <p:nvPr/>
-      </p:nvGrpSpPr>
-      <p:grpSpPr>
-        <a:xfrm>
-          <a:off x="0" y="0"/>
-          <a:ext cx="0" cy="0"/>
-          <a:chOff x="0" y="0"/>
-          <a:chExt cx="0" cy="0"/>
-        </a:xfrm>
-      </p:grpSpPr>
-      <p:sp>
-        <p:nvSpPr>
-          <p:cNvPr id="2" name="Title 1">
-            <a:extLst>
-              <a:ext uri="{FF2B5EF4-FFF2-40B4-BE49-F238E27FC236}">
-                <a16:creationId xmlns:a16="http://schemas.microsoft.com/office/drawing/2014/main" id="{9103BE6A-C3F7-45A9-AAB2-2D815440BC0A}"/>
-              </a:ext>
-            </a:extLst>
-          </p:cNvPr>
-          <p:cNvSpPr>
-            <a:spLocks noGrp="1"/>
-          </p:cNvSpPr>
-          <p:nvPr>
-            <p:ph type="title"/>
-          </p:nvPr>
-        </p:nvSpPr>
-        <p:spPr/>
-        <p:txBody>
-          <a:bodyPr/>
-          <a:lstStyle/>
-          <a:p>
-            <a:r>
-              <a:rPr lang="en-US" dirty="0"/>
-              <a:t>Log Analytics Challenges</a:t>
-            </a:r>
-          </a:p>
-        </p:txBody>
-      </p:sp>
-      <p:sp>
-        <p:nvSpPr>
-          <p:cNvPr id="3" name="Content Placeholder 2">
-            <a:extLst>
-              <a:ext uri="{FF2B5EF4-FFF2-40B4-BE49-F238E27FC236}">
-                <a16:creationId xmlns:a16="http://schemas.microsoft.com/office/drawing/2014/main" id="{83B3D083-6DDC-4DF6-842F-2957BF37C439}"/>
-              </a:ext>
-            </a:extLst>
-          </p:cNvPr>
-          <p:cNvSpPr>
-            <a:spLocks noGrp="1"/>
-          </p:cNvSpPr>
-          <p:nvPr>
-            <p:ph idx="1"/>
-          </p:nvPr>
-        </p:nvSpPr>
-        <p:spPr/>
-        <p:txBody>
-          <a:bodyPr>
-            <a:normAutofit fontScale="85000" lnSpcReduction="20000"/>
-          </a:bodyPr>
-          <a:lstStyle/>
-          <a:p>
-            <a:r>
-              <a:rPr lang="en-US" dirty="0"/>
-              <a:t>Create a new Log Analytics Workspace</a:t>
-            </a:r>
-          </a:p>
-          <a:p>
-            <a:pPr lvl="1"/>
-            <a:r>
-              <a:rPr lang="en-US" dirty="0"/>
-              <a:t>From the portal connect SQL Server to your workspace. </a:t>
-            </a:r>
-          </a:p>
-          <a:p>
-            <a:pPr lvl="1"/>
-            <a:r>
-              <a:rPr lang="en-US" dirty="0"/>
-              <a:t>Modify the ARM template to automatically connect your VM Scale Set to the workspace.  Then redeploy template and verify the Web and SQL servers are connected</a:t>
-            </a:r>
-          </a:p>
-          <a:p>
-            <a:pPr lvl="1"/>
-            <a:r>
-              <a:rPr lang="en-US" dirty="0"/>
-              <a:t>Connect the Azure Activity Log, NSG, LB, Key Vault and Storage Account</a:t>
-            </a:r>
-          </a:p>
-          <a:p>
-            <a:pPr lvl="1"/>
-            <a:r>
-              <a:rPr lang="en-US" dirty="0"/>
-              <a:t>Add the following solutions: Activity Log Analytics, Key Vault, Agent Health, Alert Management</a:t>
-            </a:r>
-          </a:p>
-          <a:p>
-            <a:pPr lvl="1"/>
-            <a:r>
-              <a:rPr lang="en-US" dirty="0"/>
-              <a:t>Add the standard performance counters, Application and System Event logs and IIS logs.</a:t>
-            </a:r>
-          </a:p>
-          <a:p>
-            <a:r>
-              <a:rPr lang="en-US" dirty="0"/>
-              <a:t>Deploy Service Map agents to Web Scale Set VMs and SQL Servers</a:t>
-            </a:r>
-          </a:p>
-          <a:p>
-            <a:pPr lvl="1"/>
-            <a:r>
-              <a:rPr lang="en-US" dirty="0"/>
-              <a:t>Create a FE and BE group in Service Map</a:t>
-            </a:r>
-          </a:p>
-          <a:p>
-            <a:pPr lvl="1"/>
-            <a:r>
-              <a:rPr lang="en-US" dirty="0"/>
-              <a:t>Generate DB load using </a:t>
-            </a:r>
-            <a:r>
-              <a:rPr lang="en-US" dirty="0" err="1"/>
-              <a:t>HammerDB</a:t>
-            </a:r>
-            <a:r>
-              <a:rPr lang="en-US" dirty="0"/>
-              <a:t> from the Visual Studio Server and view the results in Service Map</a:t>
-            </a:r>
-          </a:p>
-          <a:p>
-            <a:r>
-              <a:rPr lang="en-US" dirty="0"/>
-              <a:t>First Team to email me a screenshot with the Visual Studio Server detected by your Scale Set and detected by Service Map wins the challenge.  Good luck!</a:t>
-            </a:r>
-          </a:p>
-          <a:p>
-            <a:endParaRPr lang="en-US" dirty="0"/>
-          </a:p>
-          <a:p>
-            <a:endParaRPr lang="en-US" dirty="0"/>
-          </a:p>
-          <a:p>
-            <a:endParaRPr lang="en-US" dirty="0"/>
-          </a:p>
-        </p:txBody>
-      </p:sp>
-    </p:spTree>
-    <p:extLst>
-      <p:ext uri="{BB962C8B-B14F-4D97-AF65-F5344CB8AC3E}">
-        <p14:creationId xmlns:p14="http://schemas.microsoft.com/office/powerpoint/2010/main" val="4232406185"/>
+        <p14:creationId xmlns:p14="http://schemas.microsoft.com/office/powerpoint/2010/main" val="340413092"/>
       </p:ext>
     </p:extLst>
   </p:cSld>

--- a/Host/Guides/Instructors Azure Monitoring Hackathon.pptx
+++ b/Host/Guides/Instructors Azure Monitoring Hackathon.pptx
@@ -4040,7 +4040,7 @@
           <a:p>
             <a:r>
               <a:rPr lang="en-US" dirty="0"/>
-              <a:t>16:30 – 17:00: Team sync (the good bad and ugly)</a:t>
+              <a:t>16:30 – 17:00: Team sync: The good, the bad, and the ugly</a:t>
             </a:r>
           </a:p>
         </p:txBody>

--- a/Host/Guides/Instructors Azure Monitoring Hackathon.pptx
+++ b/Host/Guides/Instructors Azure Monitoring Hackathon.pptx
@@ -4624,7 +4624,7 @@
         </p:spPr>
         <p:txBody>
           <a:bodyPr>
-            <a:normAutofit fontScale="92500" lnSpcReduction="20000"/>
+            <a:normAutofit fontScale="92500" lnSpcReduction="10000"/>
           </a:bodyPr>
           <a:lstStyle/>
           <a:p>
@@ -4765,19 +4765,21 @@
           <a:p>
             <a:r>
               <a:rPr lang="en-US" sz="2000" dirty="0"/>
-              <a:t>Create an Alert Rule for CPU over 75% on the Virtual Scale Set that emails me when you go over the threshold.</a:t>
+              <a:t>Create an Alert Rule for CPU over 75% on the Virtual Scale Set that emails yourself when you go over the threshold.</a:t>
             </a:r>
           </a:p>
           <a:p>
             <a:r>
               <a:rPr lang="en-US" sz="2000" dirty="0"/>
-              <a:t>First team to send me both alerts wins the challenge!!</a:t>
-            </a:r>
-          </a:p>
-          <a:p>
+              <a:t>First team to send me both alerts wins the </a:t>
+            </a:r>
+            <a:r>
+              <a:rPr lang="en-US" sz="2000"/>
+              <a:t>challenge. Good </a:t>
+            </a:r>
             <a:r>
               <a:rPr lang="en-US" sz="2000" dirty="0"/>
-              <a:t>Good luck!</a:t>
+              <a:t>luck!</a:t>
             </a:r>
           </a:p>
         </p:txBody>
@@ -4878,8 +4880,8 @@
           <a:p>
             <a:pPr lvl="1"/>
             <a:r>
-              <a:rPr lang="en-US" dirty="0"/>
-              <a:t>Modify the ARM template to automatically connect your VM Scale Set to the workspace.  Then redeploy template and verify the Web and SQL servers are connected</a:t>
+              <a:rPr lang="en-US" i="1" dirty="0"/>
+              <a:t>Extra credits: Modify the ARM template to automatically connect your VM Scale Set to the workspace.  Then redeploy template and verify the Web and SQL servers are connected</a:t>
             </a:r>
           </a:p>
           <a:p>
